--- a/hexabenzocoronene/sto3g/correlation/correlation_hexabenzocoronene.pptx
+++ b/hexabenzocoronene/sto3g/correlation/correlation_hexabenzocoronene.pptx
@@ -486,7 +486,12 @@
             <p:ph type="sldImg"/>
           </p:nvPr>
         </p:nvSpPr>
-        <p:spPr/>
+        <p:spPr>
+          <a:xfrm>
+            <a:off x="-685800" y="1143000"/>
+            <a:ext cx="8229600" cy="3086100"/>
+          </a:xfrm>
+        </p:spPr>
       </p:sp>
       <p:sp>
         <p:nvSpPr>
@@ -572,7 +577,7 @@
         </p:nvSpPr>
         <p:spPr>
           <a:xfrm>
-            <a:off x="1524000" y="748242"/>
+            <a:off x="1524000" y="748243"/>
             <a:ext cx="9144000" cy="1591733"/>
           </a:xfrm>
         </p:spPr>
@@ -934,7 +939,7 @@
         </p:nvSpPr>
         <p:spPr>
           <a:xfrm>
-            <a:off x="8724900" y="243416"/>
+            <a:off x="8724900" y="243417"/>
             <a:ext cx="2628900" cy="3874559"/>
           </a:xfrm>
         </p:spPr>
@@ -962,7 +967,7 @@
         </p:nvSpPr>
         <p:spPr>
           <a:xfrm>
-            <a:off x="838200" y="243416"/>
+            <a:off x="838200" y="243417"/>
             <a:ext cx="7734300" cy="3874559"/>
           </a:xfrm>
         </p:spPr>
@@ -1316,7 +1321,7 @@
         </p:nvSpPr>
         <p:spPr>
           <a:xfrm>
-            <a:off x="831850" y="3059642"/>
+            <a:off x="831850" y="3059643"/>
             <a:ext cx="10515600" cy="1000125"/>
           </a:xfrm>
         </p:spPr>
@@ -1790,7 +1795,7 @@
         </p:nvSpPr>
         <p:spPr>
           <a:xfrm>
-            <a:off x="839789" y="1120775"/>
+            <a:off x="839791" y="1120776"/>
             <a:ext cx="5157787" cy="549275"/>
           </a:xfrm>
         </p:spPr>
@@ -1855,7 +1860,7 @@
         </p:nvSpPr>
         <p:spPr>
           <a:xfrm>
-            <a:off x="839789" y="1670050"/>
+            <a:off x="839791" y="1670050"/>
             <a:ext cx="5157787" cy="2456392"/>
           </a:xfrm>
         </p:spPr>
@@ -1912,7 +1917,7 @@
         </p:nvSpPr>
         <p:spPr>
           <a:xfrm>
-            <a:off x="6172200" y="1120775"/>
+            <a:off x="6172200" y="1120776"/>
             <a:ext cx="5183188" cy="549275"/>
           </a:xfrm>
         </p:spPr>
@@ -2374,7 +2379,7 @@
         </p:nvSpPr>
         <p:spPr>
           <a:xfrm>
-            <a:off x="5183188" y="658284"/>
+            <a:off x="5183188" y="658285"/>
             <a:ext cx="6172200" cy="3249083"/>
           </a:xfrm>
         </p:spPr>
@@ -2651,7 +2656,7 @@
         </p:nvSpPr>
         <p:spPr>
           <a:xfrm>
-            <a:off x="5183188" y="658284"/>
+            <a:off x="5183188" y="658285"/>
             <a:ext cx="6172200" cy="3249083"/>
           </a:xfrm>
         </p:spPr>
@@ -2851,9 +2856,12 @@
 <p:sldMaster xmlns:a="http://schemas.openxmlformats.org/drawingml/2006/main" xmlns:r="http://schemas.openxmlformats.org/officeDocument/2006/relationships" xmlns:p="http://schemas.openxmlformats.org/presentationml/2006/main">
   <p:cSld>
     <p:bg>
-      <p:bgRef idx="1001">
-        <a:schemeClr val="bg1"/>
-      </p:bgRef>
+      <p:bgPr>
+        <a:solidFill>
+          <a:schemeClr val="bg1"/>
+        </a:solidFill>
+        <a:effectLst/>
+      </p:bgPr>
     </p:bg>
     <p:spTree>
       <p:nvGrpSpPr>
@@ -2976,7 +2984,7 @@
         </p:nvSpPr>
         <p:spPr>
           <a:xfrm>
-            <a:off x="838200" y="4237567"/>
+            <a:off x="838200" y="4237568"/>
             <a:ext cx="2743200" cy="243417"/>
           </a:xfrm>
           <a:prstGeom prst="rect">
@@ -3017,7 +3025,7 @@
         </p:nvSpPr>
         <p:spPr>
           <a:xfrm>
-            <a:off x="4038600" y="4237567"/>
+            <a:off x="4038600" y="4237568"/>
             <a:ext cx="4114800" cy="243417"/>
           </a:xfrm>
           <a:prstGeom prst="rect">
@@ -3054,7 +3062,7 @@
         </p:nvSpPr>
         <p:spPr>
           <a:xfrm>
-            <a:off x="8610600" y="4237567"/>
+            <a:off x="8610600" y="4237568"/>
             <a:ext cx="2743200" cy="243417"/>
           </a:xfrm>
           <a:prstGeom prst="rect">
@@ -3390,14 +3398,6 @@
 <file path=ppt/slides/slide1.xml><?xml version="1.0" encoding="utf-8"?>
 <p:sld xmlns:a="http://schemas.openxmlformats.org/drawingml/2006/main" xmlns:r="http://schemas.openxmlformats.org/officeDocument/2006/relationships" xmlns:p="http://schemas.openxmlformats.org/presentationml/2006/main">
   <p:cSld>
-    <p:bg>
-      <p:bgPr>
-        <a:solidFill>
-          <a:schemeClr val="bg1"/>
-        </a:solidFill>
-        <a:effectLst/>
-      </p:bgPr>
-    </p:bg>
     <p:spTree>
       <p:nvGrpSpPr>
         <p:cNvPr id="1" name=""/>
@@ -3426,10 +3426,10 @@
         </p:nvGrpSpPr>
         <p:grpSpPr>
           <a:xfrm>
-            <a:off x="54848" y="0"/>
-            <a:ext cx="4572000" cy="4599522"/>
+            <a:off x="254200" y="10792"/>
+            <a:ext cx="4453504" cy="4599520"/>
             <a:chOff x="54848" y="0"/>
-            <a:chExt cx="4572000" cy="4599522"/>
+            <a:chExt cx="4357867" cy="4766691"/>
           </a:xfrm>
         </p:grpSpPr>
         <p:pic>
@@ -3455,7 +3455,7 @@
           <p:spPr>
             <a:xfrm>
               <a:off x="54848" y="0"/>
-              <a:ext cx="4572000" cy="4572000"/>
+              <a:ext cx="4357867" cy="4572000"/>
             </a:xfrm>
             <a:prstGeom prst="rect">
               <a:avLst/>
@@ -3476,10 +3476,10 @@
           </p:nvGrpSpPr>
           <p:grpSpPr>
             <a:xfrm>
-              <a:off x="314880" y="692059"/>
-              <a:ext cx="3068429" cy="3907463"/>
-              <a:chOff x="285060" y="2338946"/>
-              <a:chExt cx="3068429" cy="3907463"/>
+              <a:off x="147919" y="686128"/>
+              <a:ext cx="3286688" cy="4080563"/>
+              <a:chOff x="118099" y="2333015"/>
+              <a:chExt cx="3286688" cy="4080563"/>
             </a:xfrm>
           </p:grpSpPr>
           <p:sp>
@@ -3496,8 +3496,8 @@
             </p:nvSpPr>
             <p:spPr>
               <a:xfrm>
-                <a:off x="285060" y="2338946"/>
-                <a:ext cx="270997" cy="369332"/>
+                <a:off x="255181" y="2333015"/>
+                <a:ext cx="270997" cy="533201"/>
               </a:xfrm>
               <a:prstGeom prst="rect">
                 <a:avLst/>
@@ -3535,8 +3535,8 @@
             </p:nvSpPr>
             <p:spPr>
               <a:xfrm>
-                <a:off x="727618" y="2847735"/>
-                <a:ext cx="270997" cy="369332"/>
+                <a:off x="691585" y="2817995"/>
+                <a:ext cx="270997" cy="533201"/>
               </a:xfrm>
               <a:prstGeom prst="rect">
                 <a:avLst/>
@@ -3574,8 +3574,8 @@
             </p:nvSpPr>
             <p:spPr>
               <a:xfrm>
-                <a:off x="1213696" y="3304935"/>
-                <a:ext cx="270997" cy="369332"/>
+                <a:off x="1127990" y="3321504"/>
+                <a:ext cx="270997" cy="533201"/>
               </a:xfrm>
               <a:prstGeom prst="rect">
                 <a:avLst/>
@@ -3613,8 +3613,8 @@
             </p:nvSpPr>
             <p:spPr>
               <a:xfrm>
-                <a:off x="1656660" y="3751528"/>
-                <a:ext cx="270997" cy="369332"/>
+                <a:off x="1577803" y="3754636"/>
+                <a:ext cx="270997" cy="533201"/>
               </a:xfrm>
               <a:prstGeom prst="rect">
                 <a:avLst/>
@@ -3652,8 +3652,8 @@
             </p:nvSpPr>
             <p:spPr>
               <a:xfrm>
-                <a:off x="2099681" y="4222337"/>
-                <a:ext cx="270997" cy="369332"/>
+                <a:off x="2010507" y="4212615"/>
+                <a:ext cx="270997" cy="533201"/>
               </a:xfrm>
               <a:prstGeom prst="rect">
                 <a:avLst/>
@@ -3691,8 +3691,8 @@
             </p:nvSpPr>
             <p:spPr>
               <a:xfrm>
-                <a:off x="2562095" y="4635603"/>
-                <a:ext cx="270997" cy="369332"/>
+                <a:off x="2448659" y="4657487"/>
+                <a:ext cx="270997" cy="533201"/>
               </a:xfrm>
               <a:prstGeom prst="rect">
                 <a:avLst/>
@@ -3730,8 +3730,8 @@
             </p:nvSpPr>
             <p:spPr>
               <a:xfrm>
-                <a:off x="3021468" y="5164111"/>
-                <a:ext cx="270997" cy="369332"/>
+                <a:off x="2871729" y="5153346"/>
+                <a:ext cx="270997" cy="533201"/>
               </a:xfrm>
               <a:prstGeom prst="rect">
                 <a:avLst/>
@@ -3771,8 +3771,8 @@
                 </p:nvSpPr>
                 <p:spPr>
                   <a:xfrm>
-                    <a:off x="556057" y="5869639"/>
-                    <a:ext cx="2797432" cy="376770"/>
+                    <a:off x="118099" y="6023114"/>
+                    <a:ext cx="3286688" cy="390464"/>
                   </a:xfrm>
                   <a:prstGeom prst="rect">
                     <a:avLst/>
@@ -3780,14 +3780,27 @@
                   <a:noFill/>
                 </p:spPr>
                 <p:txBody>
-                  <a:bodyPr wrap="none" rtlCol="0">
+                  <a:bodyPr wrap="square" rtlCol="0">
                     <a:spAutoFit/>
                   </a:bodyPr>
                   <a:lstStyle/>
                   <a:p>
-                    <a:pPr marL="342900" indent="-342900">
-                      <a:buAutoNum type="alphaLcParenBoth"/>
-                    </a:pPr>
+                    <a:r>
+                      <a:rPr lang="en-US" dirty="0"/>
+                      <a:t> </a:t>
+                    </a:r>
+                    <a:r>
+                      <a:rPr lang="en-US" dirty="0">
+                        <a:latin typeface="Helvetica Neue" panose="02000503000000020004" pitchFamily="2" charset="0"/>
+                        <a:ea typeface="Helvetica Neue" panose="02000503000000020004" pitchFamily="2" charset="0"/>
+                        <a:cs typeface="Helvetica Neue" panose="02000503000000020004" pitchFamily="2" charset="0"/>
+                      </a:rPr>
+                      <a:t>(a)</a:t>
+                    </a:r>
+                    <a:r>
+                      <a:rPr lang="en-US" dirty="0"/>
+                      <a:t> </a:t>
+                    </a:r>
                     <a14:m>
                       <m:oMath xmlns:m="http://schemas.openxmlformats.org/officeDocument/2006/math">
                         <m:acc>
@@ -3801,13 +3814,19 @@
                           </m:accPr>
                           <m:e>
                             <m:r>
-                              <a:rPr lang="en-US" i="1">
+                              <a:rPr lang="en-US" b="0" i="1" smtClean="0">
                                 <a:latin typeface="Cambria Math" panose="02040503050406030204" pitchFamily="18" charset="0"/>
                               </a:rPr>
                               <m:t>𝑁</m:t>
                             </m:r>
                           </m:e>
                         </m:acc>
+                        <m:r>
+                          <a:rPr lang="en-US" b="0" i="1" smtClean="0">
+                            <a:latin typeface="Cambria Math" panose="02040503050406030204" pitchFamily="18" charset="0"/>
+                          </a:rPr>
+                          <m:t> </m:t>
+                        </m:r>
                       </m:oMath>
                     </a14:m>
                     <a:r>
@@ -3816,6 +3835,9 @@
                       </a:rPr>
                       <a:t> operator correlation</a:t>
                     </a:r>
+                    <a:endParaRPr lang="en-US" b="0" dirty="0">
+                      <a:latin typeface="Helvetica Neue" panose="02000503000000020004" pitchFamily="2" charset="0"/>
+                    </a:endParaRPr>
                   </a:p>
                 </p:txBody>
               </p:sp>
@@ -3837,8 +3859,8 @@
                 </p:nvSpPr>
                 <p:spPr>
                   <a:xfrm>
-                    <a:off x="556057" y="5869639"/>
-                    <a:ext cx="2797432" cy="376770"/>
+                    <a:off x="118099" y="6023114"/>
+                    <a:ext cx="3286688" cy="390464"/>
                   </a:xfrm>
                   <a:prstGeom prst="rect">
                     <a:avLst/>
@@ -3846,7 +3868,7 @@
                   <a:blipFill>
                     <a:blip r:embed="rId4"/>
                     <a:stretch>
-                      <a:fillRect l="-905" t="-6452" r="-905" b="-22581"/>
+                      <a:fillRect t="-6667" b="-26667"/>
                     </a:stretch>
                   </a:blipFill>
                 </p:spPr>
@@ -3881,10 +3903,10 @@
         </p:nvGrpSpPr>
         <p:grpSpPr>
           <a:xfrm>
-            <a:off x="7926638" y="0"/>
-            <a:ext cx="4169769" cy="4598203"/>
-            <a:chOff x="7996099" y="507195"/>
-            <a:chExt cx="4169769" cy="4598203"/>
+            <a:off x="7742192" y="10792"/>
+            <a:ext cx="4100494" cy="4580456"/>
+            <a:chOff x="7963084" y="518616"/>
+            <a:chExt cx="4205148" cy="4847597"/>
           </a:xfrm>
         </p:grpSpPr>
         <p:pic>
@@ -3897,7 +3919,7 @@
               </a:extLst>
             </p:cNvPr>
             <p:cNvPicPr>
-              <a:picLocks noChangeAspect="1"/>
+              <a:picLocks/>
             </p:cNvPicPr>
             <p:nvPr/>
           </p:nvPicPr>
@@ -3908,8 +3930,8 @@
           </p:blipFill>
           <p:spPr>
             <a:xfrm>
-              <a:off x="7996099" y="507195"/>
-              <a:ext cx="4169769" cy="4572000"/>
+              <a:off x="7963084" y="518616"/>
+              <a:ext cx="4205148" cy="4572002"/>
             </a:xfrm>
             <a:prstGeom prst="rect">
               <a:avLst/>
@@ -3930,10 +3952,10 @@
           </p:nvGrpSpPr>
           <p:grpSpPr>
             <a:xfrm>
-              <a:off x="8200706" y="1211823"/>
-              <a:ext cx="3300357" cy="3893575"/>
-              <a:chOff x="8200706" y="2354822"/>
-              <a:chExt cx="3300357" cy="3893575"/>
+              <a:off x="8161531" y="1219294"/>
+              <a:ext cx="3175494" cy="4146919"/>
+              <a:chOff x="8161531" y="2362293"/>
+              <a:chExt cx="3175494" cy="4146919"/>
             </a:xfrm>
           </p:grpSpPr>
           <p:sp>
@@ -3950,8 +3972,8 @@
             </p:nvSpPr>
             <p:spPr>
               <a:xfrm>
-                <a:off x="8200706" y="2354822"/>
-                <a:ext cx="455300" cy="369332"/>
+                <a:off x="8161531" y="2362293"/>
+                <a:ext cx="455300" cy="390872"/>
               </a:xfrm>
               <a:prstGeom prst="rect">
                 <a:avLst/>
@@ -3989,8 +4011,8 @@
             </p:nvSpPr>
             <p:spPr>
               <a:xfrm>
-                <a:off x="8687279" y="2847735"/>
-                <a:ext cx="270997" cy="369332"/>
+                <a:off x="8663991" y="2814393"/>
+                <a:ext cx="270997" cy="630833"/>
               </a:xfrm>
               <a:prstGeom prst="rect">
                 <a:avLst/>
@@ -4028,8 +4050,8 @@
             </p:nvSpPr>
             <p:spPr>
               <a:xfrm>
-                <a:off x="9167358" y="3304935"/>
-                <a:ext cx="270997" cy="369332"/>
+                <a:off x="9119688" y="3285419"/>
+                <a:ext cx="270997" cy="630833"/>
               </a:xfrm>
               <a:prstGeom prst="rect">
                 <a:avLst/>
@@ -4067,8 +4089,8 @@
             </p:nvSpPr>
             <p:spPr>
               <a:xfrm>
-                <a:off x="9624890" y="3751528"/>
-                <a:ext cx="270997" cy="369332"/>
+                <a:off x="9575385" y="3770897"/>
+                <a:ext cx="270997" cy="630833"/>
               </a:xfrm>
               <a:prstGeom prst="rect">
                 <a:avLst/>
@@ -4106,8 +4128,8 @@
             </p:nvSpPr>
             <p:spPr>
               <a:xfrm>
-                <a:off x="10078922" y="4222337"/>
-                <a:ext cx="270997" cy="369332"/>
+                <a:off x="10076774" y="4222669"/>
+                <a:ext cx="270997" cy="630833"/>
               </a:xfrm>
               <a:prstGeom prst="rect">
                 <a:avLst/>
@@ -4145,8 +4167,8 @@
             </p:nvSpPr>
             <p:spPr>
               <a:xfrm>
-                <a:off x="10571815" y="4635603"/>
-                <a:ext cx="270997" cy="369332"/>
+                <a:off x="10532916" y="4681328"/>
+                <a:ext cx="270997" cy="630833"/>
               </a:xfrm>
               <a:prstGeom prst="rect">
                 <a:avLst/>
@@ -4184,8 +4206,8 @@
             </p:nvSpPr>
             <p:spPr>
               <a:xfrm>
-                <a:off x="11008593" y="5167418"/>
-                <a:ext cx="270997" cy="369332"/>
+                <a:off x="10989058" y="5156106"/>
+                <a:ext cx="270997" cy="630833"/>
               </a:xfrm>
               <a:prstGeom prst="rect">
                 <a:avLst/>
@@ -4225,8 +4247,8 @@
                 </p:nvSpPr>
                 <p:spPr>
                   <a:xfrm>
-                    <a:off x="8687279" y="5869639"/>
-                    <a:ext cx="2813784" cy="378758"/>
+                    <a:off x="8389182" y="6108364"/>
+                    <a:ext cx="2947843" cy="400848"/>
                   </a:xfrm>
                   <a:prstGeom prst="rect">
                     <a:avLst/>
@@ -4321,8 +4343,8 @@
                 </p:nvSpPr>
                 <p:spPr>
                   <a:xfrm>
-                    <a:off x="8687279" y="5869639"/>
-                    <a:ext cx="2813784" cy="378758"/>
+                    <a:off x="8389182" y="6108364"/>
+                    <a:ext cx="2947843" cy="400848"/>
                   </a:xfrm>
                   <a:prstGeom prst="rect">
                     <a:avLst/>
@@ -4330,7 +4352,7 @@
                   <a:blipFill>
                     <a:blip r:embed="rId6"/>
                     <a:stretch>
-                      <a:fillRect l="-1794" t="-6667" r="-448" b="-26667"/>
+                      <a:fillRect l="-1762" t="-6452" b="-22581"/>
                     </a:stretch>
                   </a:blipFill>
                 </p:spPr>
@@ -4366,9 +4388,9 @@
         <p:grpSpPr>
           <a:xfrm>
             <a:off x="4355386" y="1073960"/>
-            <a:ext cx="3419455" cy="3525732"/>
+            <a:ext cx="3419455" cy="3536352"/>
             <a:chOff x="4386277" y="1565283"/>
-            <a:chExt cx="3419455" cy="3525732"/>
+            <a:chExt cx="3419455" cy="3536352"/>
           </a:xfrm>
         </p:grpSpPr>
         <p:pic>
@@ -4415,10 +4437,10 @@
           </p:nvGrpSpPr>
           <p:grpSpPr>
             <a:xfrm>
-              <a:off x="4661835" y="1889402"/>
-              <a:ext cx="2634696" cy="3201613"/>
-              <a:chOff x="4661835" y="3032401"/>
-              <a:chExt cx="2634696" cy="3201613"/>
+              <a:off x="4762610" y="1889402"/>
+              <a:ext cx="2634696" cy="3212233"/>
+              <a:chOff x="4762610" y="3032401"/>
+              <a:chExt cx="2634696" cy="3212233"/>
             </a:xfrm>
           </p:grpSpPr>
           <p:sp>
@@ -5086,7 +5108,7 @@
             </p:nvSpPr>
             <p:spPr>
               <a:xfrm>
-                <a:off x="4661835" y="5864682"/>
+                <a:off x="4762610" y="5875302"/>
                 <a:ext cx="2634696" cy="369332"/>
               </a:xfrm>
               <a:prstGeom prst="rect">

--- a/hexabenzocoronene/sto3g/correlation/correlation_hexabenzocoronene.pptx
+++ b/hexabenzocoronene/sto3g/correlation/correlation_hexabenzocoronene.pptx
@@ -2,15 +2,16 @@
 <file path=ppt/presentation.xml><?xml version="1.0" encoding="utf-8"?>
 <p:presentation xmlns:a="http://schemas.openxmlformats.org/drawingml/2006/main" xmlns:r="http://schemas.openxmlformats.org/officeDocument/2006/relationships" xmlns:p="http://schemas.openxmlformats.org/presentationml/2006/main" saveSubsetFonts="1" autoCompressPictures="0">
   <p:sldMasterIdLst>
-    <p:sldMasterId id="2147483660" r:id="rId1"/>
+    <p:sldMasterId id="2147483720" r:id="rId1"/>
   </p:sldMasterIdLst>
   <p:notesMasterIdLst>
-    <p:notesMasterId r:id="rId3"/>
+    <p:notesMasterId r:id="rId4"/>
   </p:notesMasterIdLst>
   <p:sldIdLst>
     <p:sldId id="256" r:id="rId2"/>
+    <p:sldId id="257" r:id="rId3"/>
   </p:sldIdLst>
-  <p:sldSz cx="12192000" cy="4572000"/>
+  <p:sldSz cx="4114800" cy="4114800"/>
   <p:notesSz cx="6858000" cy="9144000"/>
   <p:defaultTextStyle>
     <a:defPPr>
@@ -107,6 +108,11 @@
       </a:defRPr>
     </a:lvl9pPr>
   </p:defaultTextStyle>
+  <p:extLst>
+    <p:ext uri="{EFAFB233-063F-42B5-8137-9DF3F51BA10A}">
+      <p15:sldGuideLst xmlns:p15="http://schemas.microsoft.com/office/powerpoint/2012/main"/>
+    </p:ext>
+  </p:extLst>
 </p:presentation>
 </file>
 
@@ -192,7 +198,7 @@
           <a:p>
             <a:fld id="{A0B5D4F2-D21B-4F4F-BD4D-2D579B0FA621}" type="datetimeFigureOut">
               <a:rPr lang="en-US" smtClean="0"/>
-              <a:t>2/27/24</a:t>
+              <a:t>3/1/24</a:t>
             </a:fld>
             <a:endParaRPr lang="en-US"/>
           </a:p>
@@ -210,8 +216,8 @@
         </p:nvSpPr>
         <p:spPr>
           <a:xfrm>
-            <a:off x="-685800" y="1143000"/>
-            <a:ext cx="8229600" cy="3086100"/>
+            <a:off x="1885950" y="1143000"/>
+            <a:ext cx="3086100" cy="3086100"/>
           </a:xfrm>
           <a:prstGeom prst="rect">
             <a:avLst/>
@@ -365,8 +371,8 @@
   </p:cSld>
   <p:clrMap bg1="lt1" tx1="dk1" bg2="lt2" tx2="dk2" accent1="accent1" accent2="accent2" accent3="accent3" accent4="accent4" accent5="accent5" accent6="accent6" hlink="hlink" folHlink="folHlink"/>
   <p:notesStyle>
-    <a:lvl1pPr marL="0" algn="l" defTabSz="914400" rtl="0" eaLnBrk="1" latinLnBrk="0" hangingPunct="1">
-      <a:defRPr sz="1200" kern="1200">
+    <a:lvl1pPr marL="0" algn="l" defTabSz="934668" rtl="0" eaLnBrk="1" latinLnBrk="0" hangingPunct="1">
+      <a:defRPr sz="1227" kern="1200">
         <a:solidFill>
           <a:schemeClr val="tx1"/>
         </a:solidFill>
@@ -375,8 +381,8 @@
         <a:cs typeface="+mn-cs"/>
       </a:defRPr>
     </a:lvl1pPr>
-    <a:lvl2pPr marL="457200" algn="l" defTabSz="914400" rtl="0" eaLnBrk="1" latinLnBrk="0" hangingPunct="1">
-      <a:defRPr sz="1200" kern="1200">
+    <a:lvl2pPr marL="467334" algn="l" defTabSz="934668" rtl="0" eaLnBrk="1" latinLnBrk="0" hangingPunct="1">
+      <a:defRPr sz="1227" kern="1200">
         <a:solidFill>
           <a:schemeClr val="tx1"/>
         </a:solidFill>
@@ -385,8 +391,8 @@
         <a:cs typeface="+mn-cs"/>
       </a:defRPr>
     </a:lvl2pPr>
-    <a:lvl3pPr marL="914400" algn="l" defTabSz="914400" rtl="0" eaLnBrk="1" latinLnBrk="0" hangingPunct="1">
-      <a:defRPr sz="1200" kern="1200">
+    <a:lvl3pPr marL="934668" algn="l" defTabSz="934668" rtl="0" eaLnBrk="1" latinLnBrk="0" hangingPunct="1">
+      <a:defRPr sz="1227" kern="1200">
         <a:solidFill>
           <a:schemeClr val="tx1"/>
         </a:solidFill>
@@ -395,8 +401,8 @@
         <a:cs typeface="+mn-cs"/>
       </a:defRPr>
     </a:lvl3pPr>
-    <a:lvl4pPr marL="1371600" algn="l" defTabSz="914400" rtl="0" eaLnBrk="1" latinLnBrk="0" hangingPunct="1">
-      <a:defRPr sz="1200" kern="1200">
+    <a:lvl4pPr marL="1402002" algn="l" defTabSz="934668" rtl="0" eaLnBrk="1" latinLnBrk="0" hangingPunct="1">
+      <a:defRPr sz="1227" kern="1200">
         <a:solidFill>
           <a:schemeClr val="tx1"/>
         </a:solidFill>
@@ -405,8 +411,8 @@
         <a:cs typeface="+mn-cs"/>
       </a:defRPr>
     </a:lvl4pPr>
-    <a:lvl5pPr marL="1828800" algn="l" defTabSz="914400" rtl="0" eaLnBrk="1" latinLnBrk="0" hangingPunct="1">
-      <a:defRPr sz="1200" kern="1200">
+    <a:lvl5pPr marL="1869336" algn="l" defTabSz="934668" rtl="0" eaLnBrk="1" latinLnBrk="0" hangingPunct="1">
+      <a:defRPr sz="1227" kern="1200">
         <a:solidFill>
           <a:schemeClr val="tx1"/>
         </a:solidFill>
@@ -415,8 +421,8 @@
         <a:cs typeface="+mn-cs"/>
       </a:defRPr>
     </a:lvl5pPr>
-    <a:lvl6pPr marL="2286000" algn="l" defTabSz="914400" rtl="0" eaLnBrk="1" latinLnBrk="0" hangingPunct="1">
-      <a:defRPr sz="1200" kern="1200">
+    <a:lvl6pPr marL="2336670" algn="l" defTabSz="934668" rtl="0" eaLnBrk="1" latinLnBrk="0" hangingPunct="1">
+      <a:defRPr sz="1227" kern="1200">
         <a:solidFill>
           <a:schemeClr val="tx1"/>
         </a:solidFill>
@@ -425,8 +431,8 @@
         <a:cs typeface="+mn-cs"/>
       </a:defRPr>
     </a:lvl6pPr>
-    <a:lvl7pPr marL="2743200" algn="l" defTabSz="914400" rtl="0" eaLnBrk="1" latinLnBrk="0" hangingPunct="1">
-      <a:defRPr sz="1200" kern="1200">
+    <a:lvl7pPr marL="2804003" algn="l" defTabSz="934668" rtl="0" eaLnBrk="1" latinLnBrk="0" hangingPunct="1">
+      <a:defRPr sz="1227" kern="1200">
         <a:solidFill>
           <a:schemeClr val="tx1"/>
         </a:solidFill>
@@ -435,8 +441,8 @@
         <a:cs typeface="+mn-cs"/>
       </a:defRPr>
     </a:lvl7pPr>
-    <a:lvl8pPr marL="3200400" algn="l" defTabSz="914400" rtl="0" eaLnBrk="1" latinLnBrk="0" hangingPunct="1">
-      <a:defRPr sz="1200" kern="1200">
+    <a:lvl8pPr marL="3271338" algn="l" defTabSz="934668" rtl="0" eaLnBrk="1" latinLnBrk="0" hangingPunct="1">
+      <a:defRPr sz="1227" kern="1200">
         <a:solidFill>
           <a:schemeClr val="tx1"/>
         </a:solidFill>
@@ -445,8 +451,8 @@
         <a:cs typeface="+mn-cs"/>
       </a:defRPr>
     </a:lvl8pPr>
-    <a:lvl9pPr marL="3657600" algn="l" defTabSz="914400" rtl="0" eaLnBrk="1" latinLnBrk="0" hangingPunct="1">
-      <a:defRPr sz="1200" kern="1200">
+    <a:lvl9pPr marL="3738672" algn="l" defTabSz="934668" rtl="0" eaLnBrk="1" latinLnBrk="0" hangingPunct="1">
+      <a:defRPr sz="1227" kern="1200">
         <a:solidFill>
           <a:schemeClr val="tx1"/>
         </a:solidFill>
@@ -488,8 +494,8 @@
         </p:nvSpPr>
         <p:spPr>
           <a:xfrm>
-            <a:off x="-685800" y="1143000"/>
-            <a:ext cx="8229600" cy="3086100"/>
+            <a:off x="1885950" y="1143000"/>
+            <a:ext cx="3086100" cy="3086100"/>
           </a:xfrm>
         </p:spPr>
       </p:sp>
@@ -577,15 +583,15 @@
         </p:nvSpPr>
         <p:spPr>
           <a:xfrm>
-            <a:off x="1524000" y="748243"/>
-            <a:ext cx="9144000" cy="1591733"/>
+            <a:off x="308610" y="673418"/>
+            <a:ext cx="3497580" cy="1432560"/>
           </a:xfrm>
         </p:spPr>
         <p:txBody>
           <a:bodyPr anchor="b"/>
           <a:lstStyle>
             <a:lvl1pPr algn="ctr">
-              <a:defRPr sz="4000"/>
+              <a:defRPr sz="2700"/>
             </a:lvl1pPr>
           </a:lstStyle>
           <a:p>
@@ -609,8 +615,8 @@
         </p:nvSpPr>
         <p:spPr>
           <a:xfrm>
-            <a:off x="1524000" y="2401359"/>
-            <a:ext cx="9144000" cy="1103841"/>
+            <a:off x="514350" y="2161223"/>
+            <a:ext cx="3086100" cy="993457"/>
           </a:xfrm>
         </p:spPr>
         <p:txBody>
@@ -618,39 +624,39 @@
           <a:lstStyle>
             <a:lvl1pPr marL="0" indent="0" algn="ctr">
               <a:buNone/>
-              <a:defRPr sz="1600"/>
+              <a:defRPr sz="1080"/>
             </a:lvl1pPr>
-            <a:lvl2pPr marL="304815" indent="0" algn="ctr">
+            <a:lvl2pPr marL="205740" indent="0" algn="ctr">
               <a:buNone/>
-              <a:defRPr sz="1333"/>
+              <a:defRPr sz="900"/>
             </a:lvl2pPr>
-            <a:lvl3pPr marL="609630" indent="0" algn="ctr">
+            <a:lvl3pPr marL="411480" indent="0" algn="ctr">
               <a:buNone/>
-              <a:defRPr sz="1200"/>
+              <a:defRPr sz="810"/>
             </a:lvl3pPr>
-            <a:lvl4pPr marL="914446" indent="0" algn="ctr">
+            <a:lvl4pPr marL="617220" indent="0" algn="ctr">
               <a:buNone/>
-              <a:defRPr sz="1067"/>
+              <a:defRPr sz="720"/>
             </a:lvl4pPr>
-            <a:lvl5pPr marL="1219261" indent="0" algn="ctr">
+            <a:lvl5pPr marL="822960" indent="0" algn="ctr">
               <a:buNone/>
-              <a:defRPr sz="1067"/>
+              <a:defRPr sz="720"/>
             </a:lvl5pPr>
-            <a:lvl6pPr marL="1524076" indent="0" algn="ctr">
+            <a:lvl6pPr marL="1028700" indent="0" algn="ctr">
               <a:buNone/>
-              <a:defRPr sz="1067"/>
+              <a:defRPr sz="720"/>
             </a:lvl6pPr>
-            <a:lvl7pPr marL="1828891" indent="0" algn="ctr">
+            <a:lvl7pPr marL="1234440" indent="0" algn="ctr">
               <a:buNone/>
-              <a:defRPr sz="1067"/>
+              <a:defRPr sz="720"/>
             </a:lvl7pPr>
-            <a:lvl8pPr marL="2133707" indent="0" algn="ctr">
+            <a:lvl8pPr marL="1440180" indent="0" algn="ctr">
               <a:buNone/>
-              <a:defRPr sz="1067"/>
+              <a:defRPr sz="720"/>
             </a:lvl8pPr>
-            <a:lvl9pPr marL="2438522" indent="0" algn="ctr">
+            <a:lvl9pPr marL="1645920" indent="0" algn="ctr">
               <a:buNone/>
-              <a:defRPr sz="1067"/>
+              <a:defRPr sz="720"/>
             </a:lvl9pPr>
           </a:lstStyle>
           <a:p>
@@ -679,7 +685,7 @@
           <a:p>
             <a:fld id="{098B7C45-5D91-A641-A05D-812082979713}" type="datetimeFigureOut">
               <a:rPr lang="en-US" smtClean="0"/>
-              <a:t>2/27/24</a:t>
+              <a:t>3/1/24</a:t>
             </a:fld>
             <a:endParaRPr lang="en-US"/>
           </a:p>
@@ -730,7 +736,7 @@
     </p:spTree>
     <p:extLst>
       <p:ext uri="{BB962C8B-B14F-4D97-AF65-F5344CB8AC3E}">
-        <p14:creationId xmlns:p14="http://schemas.microsoft.com/office/powerpoint/2010/main" val="2730531766"/>
+        <p14:creationId xmlns:p14="http://schemas.microsoft.com/office/powerpoint/2010/main" val="4025134805"/>
       </p:ext>
     </p:extLst>
   </p:cSld>
@@ -849,7 +855,7 @@
           <a:p>
             <a:fld id="{098B7C45-5D91-A641-A05D-812082979713}" type="datetimeFigureOut">
               <a:rPr lang="en-US" smtClean="0"/>
-              <a:t>2/27/24</a:t>
+              <a:t>3/1/24</a:t>
             </a:fld>
             <a:endParaRPr lang="en-US"/>
           </a:p>
@@ -900,7 +906,7 @@
     </p:spTree>
     <p:extLst>
       <p:ext uri="{BB962C8B-B14F-4D97-AF65-F5344CB8AC3E}">
-        <p14:creationId xmlns:p14="http://schemas.microsoft.com/office/powerpoint/2010/main" val="3029754931"/>
+        <p14:creationId xmlns:p14="http://schemas.microsoft.com/office/powerpoint/2010/main" val="2089363202"/>
       </p:ext>
     </p:extLst>
   </p:cSld>
@@ -939,8 +945,8 @@
         </p:nvSpPr>
         <p:spPr>
           <a:xfrm>
-            <a:off x="8724900" y="243417"/>
-            <a:ext cx="2628900" cy="3874559"/>
+            <a:off x="2944654" y="219075"/>
+            <a:ext cx="887254" cy="3487103"/>
           </a:xfrm>
         </p:spPr>
         <p:txBody>
@@ -967,8 +973,8 @@
         </p:nvSpPr>
         <p:spPr>
           <a:xfrm>
-            <a:off x="838200" y="243417"/>
-            <a:ext cx="7734300" cy="3874559"/>
+            <a:off x="282893" y="219075"/>
+            <a:ext cx="2610326" cy="3487103"/>
           </a:xfrm>
         </p:spPr>
         <p:txBody>
@@ -1029,7 +1035,7 @@
           <a:p>
             <a:fld id="{098B7C45-5D91-A641-A05D-812082979713}" type="datetimeFigureOut">
               <a:rPr lang="en-US" smtClean="0"/>
-              <a:t>2/27/24</a:t>
+              <a:t>3/1/24</a:t>
             </a:fld>
             <a:endParaRPr lang="en-US"/>
           </a:p>
@@ -1080,7 +1086,7 @@
     </p:spTree>
     <p:extLst>
       <p:ext uri="{BB962C8B-B14F-4D97-AF65-F5344CB8AC3E}">
-        <p14:creationId xmlns:p14="http://schemas.microsoft.com/office/powerpoint/2010/main" val="4261288230"/>
+        <p14:creationId xmlns:p14="http://schemas.microsoft.com/office/powerpoint/2010/main" val="2105902374"/>
       </p:ext>
     </p:extLst>
   </p:cSld>
@@ -1199,7 +1205,7 @@
           <a:p>
             <a:fld id="{098B7C45-5D91-A641-A05D-812082979713}" type="datetimeFigureOut">
               <a:rPr lang="en-US" smtClean="0"/>
-              <a:t>2/27/24</a:t>
+              <a:t>3/1/24</a:t>
             </a:fld>
             <a:endParaRPr lang="en-US"/>
           </a:p>
@@ -1250,7 +1256,7 @@
     </p:spTree>
     <p:extLst>
       <p:ext uri="{BB962C8B-B14F-4D97-AF65-F5344CB8AC3E}">
-        <p14:creationId xmlns:p14="http://schemas.microsoft.com/office/powerpoint/2010/main" val="2360025996"/>
+        <p14:creationId xmlns:p14="http://schemas.microsoft.com/office/powerpoint/2010/main" val="1698382729"/>
       </p:ext>
     </p:extLst>
   </p:cSld>
@@ -1289,15 +1295,15 @@
         </p:nvSpPr>
         <p:spPr>
           <a:xfrm>
-            <a:off x="831850" y="1139826"/>
-            <a:ext cx="10515600" cy="1901825"/>
+            <a:off x="280750" y="1025844"/>
+            <a:ext cx="3549015" cy="1711642"/>
           </a:xfrm>
         </p:spPr>
         <p:txBody>
           <a:bodyPr anchor="b"/>
           <a:lstStyle>
             <a:lvl1pPr>
-              <a:defRPr sz="4000"/>
+              <a:defRPr sz="2700"/>
             </a:lvl1pPr>
           </a:lstStyle>
           <a:p>
@@ -1321,8 +1327,8 @@
         </p:nvSpPr>
         <p:spPr>
           <a:xfrm>
-            <a:off x="831850" y="3059643"/>
-            <a:ext cx="10515600" cy="1000125"/>
+            <a:off x="280750" y="2753679"/>
+            <a:ext cx="3549015" cy="900112"/>
           </a:xfrm>
         </p:spPr>
         <p:txBody>
@@ -1330,17 +1336,15 @@
           <a:lstStyle>
             <a:lvl1pPr marL="0" indent="0">
               <a:buNone/>
-              <a:defRPr sz="1600">
+              <a:defRPr sz="1080">
                 <a:solidFill>
-                  <a:schemeClr val="tx1">
-                    <a:tint val="75000"/>
-                  </a:schemeClr>
+                  <a:schemeClr val="tx1"/>
                 </a:solidFill>
               </a:defRPr>
             </a:lvl1pPr>
-            <a:lvl2pPr marL="304815" indent="0">
+            <a:lvl2pPr marL="205740" indent="0">
               <a:buNone/>
-              <a:defRPr sz="1333">
+              <a:defRPr sz="900">
                 <a:solidFill>
                   <a:schemeClr val="tx1">
                     <a:tint val="75000"/>
@@ -1348,9 +1352,9 @@
                 </a:solidFill>
               </a:defRPr>
             </a:lvl2pPr>
-            <a:lvl3pPr marL="609630" indent="0">
+            <a:lvl3pPr marL="411480" indent="0">
               <a:buNone/>
-              <a:defRPr sz="1200">
+              <a:defRPr sz="810">
                 <a:solidFill>
                   <a:schemeClr val="tx1">
                     <a:tint val="75000"/>
@@ -1358,9 +1362,9 @@
                 </a:solidFill>
               </a:defRPr>
             </a:lvl3pPr>
-            <a:lvl4pPr marL="914446" indent="0">
+            <a:lvl4pPr marL="617220" indent="0">
               <a:buNone/>
-              <a:defRPr sz="1067">
+              <a:defRPr sz="720">
                 <a:solidFill>
                   <a:schemeClr val="tx1">
                     <a:tint val="75000"/>
@@ -1368,9 +1372,9 @@
                 </a:solidFill>
               </a:defRPr>
             </a:lvl4pPr>
-            <a:lvl5pPr marL="1219261" indent="0">
+            <a:lvl5pPr marL="822960" indent="0">
               <a:buNone/>
-              <a:defRPr sz="1067">
+              <a:defRPr sz="720">
                 <a:solidFill>
                   <a:schemeClr val="tx1">
                     <a:tint val="75000"/>
@@ -1378,9 +1382,9 @@
                 </a:solidFill>
               </a:defRPr>
             </a:lvl5pPr>
-            <a:lvl6pPr marL="1524076" indent="0">
+            <a:lvl6pPr marL="1028700" indent="0">
               <a:buNone/>
-              <a:defRPr sz="1067">
+              <a:defRPr sz="720">
                 <a:solidFill>
                   <a:schemeClr val="tx1">
                     <a:tint val="75000"/>
@@ -1388,9 +1392,9 @@
                 </a:solidFill>
               </a:defRPr>
             </a:lvl6pPr>
-            <a:lvl7pPr marL="1828891" indent="0">
+            <a:lvl7pPr marL="1234440" indent="0">
               <a:buNone/>
-              <a:defRPr sz="1067">
+              <a:defRPr sz="720">
                 <a:solidFill>
                   <a:schemeClr val="tx1">
                     <a:tint val="75000"/>
@@ -1398,9 +1402,9 @@
                 </a:solidFill>
               </a:defRPr>
             </a:lvl7pPr>
-            <a:lvl8pPr marL="2133707" indent="0">
+            <a:lvl8pPr marL="1440180" indent="0">
               <a:buNone/>
-              <a:defRPr sz="1067">
+              <a:defRPr sz="720">
                 <a:solidFill>
                   <a:schemeClr val="tx1">
                     <a:tint val="75000"/>
@@ -1408,9 +1412,9 @@
                 </a:solidFill>
               </a:defRPr>
             </a:lvl8pPr>
-            <a:lvl9pPr marL="2438522" indent="0">
+            <a:lvl9pPr marL="1645920" indent="0">
               <a:buNone/>
-              <a:defRPr sz="1067">
+              <a:defRPr sz="720">
                 <a:solidFill>
                   <a:schemeClr val="tx1">
                     <a:tint val="75000"/>
@@ -1445,7 +1449,7 @@
           <a:p>
             <a:fld id="{098B7C45-5D91-A641-A05D-812082979713}" type="datetimeFigureOut">
               <a:rPr lang="en-US" smtClean="0"/>
-              <a:t>2/27/24</a:t>
+              <a:t>3/1/24</a:t>
             </a:fld>
             <a:endParaRPr lang="en-US"/>
           </a:p>
@@ -1496,7 +1500,7 @@
     </p:spTree>
     <p:extLst>
       <p:ext uri="{BB962C8B-B14F-4D97-AF65-F5344CB8AC3E}">
-        <p14:creationId xmlns:p14="http://schemas.microsoft.com/office/powerpoint/2010/main" val="3486769046"/>
+        <p14:creationId xmlns:p14="http://schemas.microsoft.com/office/powerpoint/2010/main" val="2464725465"/>
       </p:ext>
     </p:extLst>
   </p:cSld>
@@ -1558,8 +1562,8 @@
         </p:nvSpPr>
         <p:spPr>
           <a:xfrm>
-            <a:off x="838200" y="1217083"/>
-            <a:ext cx="5181600" cy="2900892"/>
+            <a:off x="282893" y="1095375"/>
+            <a:ext cx="1748790" cy="2610803"/>
           </a:xfrm>
         </p:spPr>
         <p:txBody>
@@ -1615,8 +1619,8 @@
         </p:nvSpPr>
         <p:spPr>
           <a:xfrm>
-            <a:off x="6172200" y="1217083"/>
-            <a:ext cx="5181600" cy="2900892"/>
+            <a:off x="2083118" y="1095375"/>
+            <a:ext cx="1748790" cy="2610803"/>
           </a:xfrm>
         </p:spPr>
         <p:txBody>
@@ -1677,7 +1681,7 @@
           <a:p>
             <a:fld id="{098B7C45-5D91-A641-A05D-812082979713}" type="datetimeFigureOut">
               <a:rPr lang="en-US" smtClean="0"/>
-              <a:t>2/27/24</a:t>
+              <a:t>3/1/24</a:t>
             </a:fld>
             <a:endParaRPr lang="en-US"/>
           </a:p>
@@ -1728,7 +1732,7 @@
     </p:spTree>
     <p:extLst>
       <p:ext uri="{BB962C8B-B14F-4D97-AF65-F5344CB8AC3E}">
-        <p14:creationId xmlns:p14="http://schemas.microsoft.com/office/powerpoint/2010/main" val="1773952464"/>
+        <p14:creationId xmlns:p14="http://schemas.microsoft.com/office/powerpoint/2010/main" val="2163712047"/>
       </p:ext>
     </p:extLst>
   </p:cSld>
@@ -1767,8 +1771,8 @@
         </p:nvSpPr>
         <p:spPr>
           <a:xfrm>
-            <a:off x="839788" y="243417"/>
-            <a:ext cx="10515600" cy="883709"/>
+            <a:off x="283428" y="219076"/>
+            <a:ext cx="3549015" cy="795338"/>
           </a:xfrm>
         </p:spPr>
         <p:txBody>
@@ -1795,8 +1799,8 @@
         </p:nvSpPr>
         <p:spPr>
           <a:xfrm>
-            <a:off x="839791" y="1120776"/>
-            <a:ext cx="5157787" cy="549275"/>
+            <a:off x="283429" y="1008698"/>
+            <a:ext cx="1740753" cy="494347"/>
           </a:xfrm>
         </p:spPr>
         <p:txBody>
@@ -1804,39 +1808,39 @@
           <a:lstStyle>
             <a:lvl1pPr marL="0" indent="0">
               <a:buNone/>
-              <a:defRPr sz="1600" b="1"/>
+              <a:defRPr sz="1080" b="1"/>
             </a:lvl1pPr>
-            <a:lvl2pPr marL="304815" indent="0">
+            <a:lvl2pPr marL="205740" indent="0">
               <a:buNone/>
-              <a:defRPr sz="1333" b="1"/>
+              <a:defRPr sz="900" b="1"/>
             </a:lvl2pPr>
-            <a:lvl3pPr marL="609630" indent="0">
+            <a:lvl3pPr marL="411480" indent="0">
               <a:buNone/>
-              <a:defRPr sz="1200" b="1"/>
+              <a:defRPr sz="810" b="1"/>
             </a:lvl3pPr>
-            <a:lvl4pPr marL="914446" indent="0">
+            <a:lvl4pPr marL="617220" indent="0">
               <a:buNone/>
-              <a:defRPr sz="1067" b="1"/>
+              <a:defRPr sz="720" b="1"/>
             </a:lvl4pPr>
-            <a:lvl5pPr marL="1219261" indent="0">
+            <a:lvl5pPr marL="822960" indent="0">
               <a:buNone/>
-              <a:defRPr sz="1067" b="1"/>
+              <a:defRPr sz="720" b="1"/>
             </a:lvl5pPr>
-            <a:lvl6pPr marL="1524076" indent="0">
+            <a:lvl6pPr marL="1028700" indent="0">
               <a:buNone/>
-              <a:defRPr sz="1067" b="1"/>
+              <a:defRPr sz="720" b="1"/>
             </a:lvl6pPr>
-            <a:lvl7pPr marL="1828891" indent="0">
+            <a:lvl7pPr marL="1234440" indent="0">
               <a:buNone/>
-              <a:defRPr sz="1067" b="1"/>
+              <a:defRPr sz="720" b="1"/>
             </a:lvl7pPr>
-            <a:lvl8pPr marL="2133707" indent="0">
+            <a:lvl8pPr marL="1440180" indent="0">
               <a:buNone/>
-              <a:defRPr sz="1067" b="1"/>
+              <a:defRPr sz="720" b="1"/>
             </a:lvl8pPr>
-            <a:lvl9pPr marL="2438522" indent="0">
+            <a:lvl9pPr marL="1645920" indent="0">
               <a:buNone/>
-              <a:defRPr sz="1067" b="1"/>
+              <a:defRPr sz="720" b="1"/>
             </a:lvl9pPr>
           </a:lstStyle>
           <a:p>
@@ -1860,8 +1864,8 @@
         </p:nvSpPr>
         <p:spPr>
           <a:xfrm>
-            <a:off x="839791" y="1670050"/>
-            <a:ext cx="5157787" cy="2456392"/>
+            <a:off x="283429" y="1503045"/>
+            <a:ext cx="1740753" cy="2210753"/>
           </a:xfrm>
         </p:spPr>
         <p:txBody>
@@ -1917,8 +1921,8 @@
         </p:nvSpPr>
         <p:spPr>
           <a:xfrm>
-            <a:off x="6172200" y="1120776"/>
-            <a:ext cx="5183188" cy="549275"/>
+            <a:off x="2083118" y="1008698"/>
+            <a:ext cx="1749326" cy="494347"/>
           </a:xfrm>
         </p:spPr>
         <p:txBody>
@@ -1926,39 +1930,39 @@
           <a:lstStyle>
             <a:lvl1pPr marL="0" indent="0">
               <a:buNone/>
-              <a:defRPr sz="1600" b="1"/>
+              <a:defRPr sz="1080" b="1"/>
             </a:lvl1pPr>
-            <a:lvl2pPr marL="304815" indent="0">
+            <a:lvl2pPr marL="205740" indent="0">
               <a:buNone/>
-              <a:defRPr sz="1333" b="1"/>
+              <a:defRPr sz="900" b="1"/>
             </a:lvl2pPr>
-            <a:lvl3pPr marL="609630" indent="0">
+            <a:lvl3pPr marL="411480" indent="0">
               <a:buNone/>
-              <a:defRPr sz="1200" b="1"/>
+              <a:defRPr sz="810" b="1"/>
             </a:lvl3pPr>
-            <a:lvl4pPr marL="914446" indent="0">
+            <a:lvl4pPr marL="617220" indent="0">
               <a:buNone/>
-              <a:defRPr sz="1067" b="1"/>
+              <a:defRPr sz="720" b="1"/>
             </a:lvl4pPr>
-            <a:lvl5pPr marL="1219261" indent="0">
+            <a:lvl5pPr marL="822960" indent="0">
               <a:buNone/>
-              <a:defRPr sz="1067" b="1"/>
+              <a:defRPr sz="720" b="1"/>
             </a:lvl5pPr>
-            <a:lvl6pPr marL="1524076" indent="0">
+            <a:lvl6pPr marL="1028700" indent="0">
               <a:buNone/>
-              <a:defRPr sz="1067" b="1"/>
+              <a:defRPr sz="720" b="1"/>
             </a:lvl6pPr>
-            <a:lvl7pPr marL="1828891" indent="0">
+            <a:lvl7pPr marL="1234440" indent="0">
               <a:buNone/>
-              <a:defRPr sz="1067" b="1"/>
+              <a:defRPr sz="720" b="1"/>
             </a:lvl7pPr>
-            <a:lvl8pPr marL="2133707" indent="0">
+            <a:lvl8pPr marL="1440180" indent="0">
               <a:buNone/>
-              <a:defRPr sz="1067" b="1"/>
+              <a:defRPr sz="720" b="1"/>
             </a:lvl8pPr>
-            <a:lvl9pPr marL="2438522" indent="0">
+            <a:lvl9pPr marL="1645920" indent="0">
               <a:buNone/>
-              <a:defRPr sz="1067" b="1"/>
+              <a:defRPr sz="720" b="1"/>
             </a:lvl9pPr>
           </a:lstStyle>
           <a:p>
@@ -1982,8 +1986,8 @@
         </p:nvSpPr>
         <p:spPr>
           <a:xfrm>
-            <a:off x="6172200" y="1670050"/>
-            <a:ext cx="5183188" cy="2456392"/>
+            <a:off x="2083118" y="1503045"/>
+            <a:ext cx="1749326" cy="2210753"/>
           </a:xfrm>
         </p:spPr>
         <p:txBody>
@@ -2044,7 +2048,7 @@
           <a:p>
             <a:fld id="{098B7C45-5D91-A641-A05D-812082979713}" type="datetimeFigureOut">
               <a:rPr lang="en-US" smtClean="0"/>
-              <a:t>2/27/24</a:t>
+              <a:t>3/1/24</a:t>
             </a:fld>
             <a:endParaRPr lang="en-US"/>
           </a:p>
@@ -2095,7 +2099,7 @@
     </p:spTree>
     <p:extLst>
       <p:ext uri="{BB962C8B-B14F-4D97-AF65-F5344CB8AC3E}">
-        <p14:creationId xmlns:p14="http://schemas.microsoft.com/office/powerpoint/2010/main" val="2332913721"/>
+        <p14:creationId xmlns:p14="http://schemas.microsoft.com/office/powerpoint/2010/main" val="964370764"/>
       </p:ext>
     </p:extLst>
   </p:cSld>
@@ -2162,7 +2166,7 @@
           <a:p>
             <a:fld id="{098B7C45-5D91-A641-A05D-812082979713}" type="datetimeFigureOut">
               <a:rPr lang="en-US" smtClean="0"/>
-              <a:t>2/27/24</a:t>
+              <a:t>3/1/24</a:t>
             </a:fld>
             <a:endParaRPr lang="en-US"/>
           </a:p>
@@ -2213,7 +2217,7 @@
     </p:spTree>
     <p:extLst>
       <p:ext uri="{BB962C8B-B14F-4D97-AF65-F5344CB8AC3E}">
-        <p14:creationId xmlns:p14="http://schemas.microsoft.com/office/powerpoint/2010/main" val="4234813339"/>
+        <p14:creationId xmlns:p14="http://schemas.microsoft.com/office/powerpoint/2010/main" val="2600674433"/>
       </p:ext>
     </p:extLst>
   </p:cSld>
@@ -2257,7 +2261,7 @@
           <a:p>
             <a:fld id="{098B7C45-5D91-A641-A05D-812082979713}" type="datetimeFigureOut">
               <a:rPr lang="en-US" smtClean="0"/>
-              <a:t>2/27/24</a:t>
+              <a:t>3/1/24</a:t>
             </a:fld>
             <a:endParaRPr lang="en-US"/>
           </a:p>
@@ -2308,7 +2312,7 @@
     </p:spTree>
     <p:extLst>
       <p:ext uri="{BB962C8B-B14F-4D97-AF65-F5344CB8AC3E}">
-        <p14:creationId xmlns:p14="http://schemas.microsoft.com/office/powerpoint/2010/main" val="1804682832"/>
+        <p14:creationId xmlns:p14="http://schemas.microsoft.com/office/powerpoint/2010/main" val="3066946387"/>
       </p:ext>
     </p:extLst>
   </p:cSld>
@@ -2347,15 +2351,15 @@
         </p:nvSpPr>
         <p:spPr>
           <a:xfrm>
-            <a:off x="839789" y="304800"/>
-            <a:ext cx="3932237" cy="1066800"/>
+            <a:off x="283429" y="274320"/>
+            <a:ext cx="1327130" cy="960120"/>
           </a:xfrm>
         </p:spPr>
         <p:txBody>
           <a:bodyPr anchor="b"/>
           <a:lstStyle>
             <a:lvl1pPr>
-              <a:defRPr sz="2133"/>
+              <a:defRPr sz="1440"/>
             </a:lvl1pPr>
           </a:lstStyle>
           <a:p>
@@ -2379,39 +2383,39 @@
         </p:nvSpPr>
         <p:spPr>
           <a:xfrm>
-            <a:off x="5183188" y="658285"/>
-            <a:ext cx="6172200" cy="3249083"/>
+            <a:off x="1749326" y="592456"/>
+            <a:ext cx="2083118" cy="2924175"/>
           </a:xfrm>
         </p:spPr>
         <p:txBody>
           <a:bodyPr/>
           <a:lstStyle>
             <a:lvl1pPr>
-              <a:defRPr sz="2133"/>
+              <a:defRPr sz="1440"/>
             </a:lvl1pPr>
             <a:lvl2pPr>
-              <a:defRPr sz="1867"/>
+              <a:defRPr sz="1260"/>
             </a:lvl2pPr>
             <a:lvl3pPr>
-              <a:defRPr sz="1600"/>
+              <a:defRPr sz="1080"/>
             </a:lvl3pPr>
             <a:lvl4pPr>
-              <a:defRPr sz="1333"/>
+              <a:defRPr sz="900"/>
             </a:lvl4pPr>
             <a:lvl5pPr>
-              <a:defRPr sz="1333"/>
+              <a:defRPr sz="900"/>
             </a:lvl5pPr>
             <a:lvl6pPr>
-              <a:defRPr sz="1333"/>
+              <a:defRPr sz="900"/>
             </a:lvl6pPr>
             <a:lvl7pPr>
-              <a:defRPr sz="1333"/>
+              <a:defRPr sz="900"/>
             </a:lvl7pPr>
             <a:lvl8pPr>
-              <a:defRPr sz="1333"/>
+              <a:defRPr sz="900"/>
             </a:lvl8pPr>
             <a:lvl9pPr>
-              <a:defRPr sz="1333"/>
+              <a:defRPr sz="900"/>
             </a:lvl9pPr>
           </a:lstStyle>
           <a:p>
@@ -2464,8 +2468,8 @@
         </p:nvSpPr>
         <p:spPr>
           <a:xfrm>
-            <a:off x="839789" y="1371600"/>
-            <a:ext cx="3932237" cy="2541059"/>
+            <a:off x="283429" y="1234440"/>
+            <a:ext cx="1327130" cy="2286953"/>
           </a:xfrm>
         </p:spPr>
         <p:txBody>
@@ -2473,39 +2477,39 @@
           <a:lstStyle>
             <a:lvl1pPr marL="0" indent="0">
               <a:buNone/>
-              <a:defRPr sz="1067"/>
+              <a:defRPr sz="720"/>
             </a:lvl1pPr>
-            <a:lvl2pPr marL="304815" indent="0">
+            <a:lvl2pPr marL="205740" indent="0">
               <a:buNone/>
-              <a:defRPr sz="933"/>
+              <a:defRPr sz="630"/>
             </a:lvl2pPr>
-            <a:lvl3pPr marL="609630" indent="0">
+            <a:lvl3pPr marL="411480" indent="0">
               <a:buNone/>
-              <a:defRPr sz="800"/>
+              <a:defRPr sz="540"/>
             </a:lvl3pPr>
-            <a:lvl4pPr marL="914446" indent="0">
+            <a:lvl4pPr marL="617220" indent="0">
               <a:buNone/>
-              <a:defRPr sz="667"/>
+              <a:defRPr sz="450"/>
             </a:lvl4pPr>
-            <a:lvl5pPr marL="1219261" indent="0">
+            <a:lvl5pPr marL="822960" indent="0">
               <a:buNone/>
-              <a:defRPr sz="667"/>
+              <a:defRPr sz="450"/>
             </a:lvl5pPr>
-            <a:lvl6pPr marL="1524076" indent="0">
+            <a:lvl6pPr marL="1028700" indent="0">
               <a:buNone/>
-              <a:defRPr sz="667"/>
+              <a:defRPr sz="450"/>
             </a:lvl6pPr>
-            <a:lvl7pPr marL="1828891" indent="0">
+            <a:lvl7pPr marL="1234440" indent="0">
               <a:buNone/>
-              <a:defRPr sz="667"/>
+              <a:defRPr sz="450"/>
             </a:lvl7pPr>
-            <a:lvl8pPr marL="2133707" indent="0">
+            <a:lvl8pPr marL="1440180" indent="0">
               <a:buNone/>
-              <a:defRPr sz="667"/>
+              <a:defRPr sz="450"/>
             </a:lvl8pPr>
-            <a:lvl9pPr marL="2438522" indent="0">
+            <a:lvl9pPr marL="1645920" indent="0">
               <a:buNone/>
-              <a:defRPr sz="667"/>
+              <a:defRPr sz="450"/>
             </a:lvl9pPr>
           </a:lstStyle>
           <a:p>
@@ -2534,7 +2538,7 @@
           <a:p>
             <a:fld id="{098B7C45-5D91-A641-A05D-812082979713}" type="datetimeFigureOut">
               <a:rPr lang="en-US" smtClean="0"/>
-              <a:t>2/27/24</a:t>
+              <a:t>3/1/24</a:t>
             </a:fld>
             <a:endParaRPr lang="en-US"/>
           </a:p>
@@ -2585,7 +2589,7 @@
     </p:spTree>
     <p:extLst>
       <p:ext uri="{BB962C8B-B14F-4D97-AF65-F5344CB8AC3E}">
-        <p14:creationId xmlns:p14="http://schemas.microsoft.com/office/powerpoint/2010/main" val="4176086752"/>
+        <p14:creationId xmlns:p14="http://schemas.microsoft.com/office/powerpoint/2010/main" val="2086120404"/>
       </p:ext>
     </p:extLst>
   </p:cSld>
@@ -2624,15 +2628,15 @@
         </p:nvSpPr>
         <p:spPr>
           <a:xfrm>
-            <a:off x="839789" y="304800"/>
-            <a:ext cx="3932237" cy="1066800"/>
+            <a:off x="283429" y="274320"/>
+            <a:ext cx="1327130" cy="960120"/>
           </a:xfrm>
         </p:spPr>
         <p:txBody>
           <a:bodyPr anchor="b"/>
           <a:lstStyle>
             <a:lvl1pPr>
-              <a:defRPr sz="2133"/>
+              <a:defRPr sz="1440"/>
             </a:lvl1pPr>
           </a:lstStyle>
           <a:p>
@@ -2656,8 +2660,8 @@
         </p:nvSpPr>
         <p:spPr>
           <a:xfrm>
-            <a:off x="5183188" y="658285"/>
-            <a:ext cx="6172200" cy="3249083"/>
+            <a:off x="1749326" y="592456"/>
+            <a:ext cx="2083118" cy="2924175"/>
           </a:xfrm>
         </p:spPr>
         <p:txBody>
@@ -2665,39 +2669,39 @@
           <a:lstStyle>
             <a:lvl1pPr marL="0" indent="0">
               <a:buNone/>
-              <a:defRPr sz="2133"/>
+              <a:defRPr sz="1440"/>
             </a:lvl1pPr>
-            <a:lvl2pPr marL="304815" indent="0">
+            <a:lvl2pPr marL="205740" indent="0">
               <a:buNone/>
-              <a:defRPr sz="1867"/>
+              <a:defRPr sz="1260"/>
             </a:lvl2pPr>
-            <a:lvl3pPr marL="609630" indent="0">
+            <a:lvl3pPr marL="411480" indent="0">
               <a:buNone/>
-              <a:defRPr sz="1600"/>
+              <a:defRPr sz="1080"/>
             </a:lvl3pPr>
-            <a:lvl4pPr marL="914446" indent="0">
+            <a:lvl4pPr marL="617220" indent="0">
               <a:buNone/>
-              <a:defRPr sz="1333"/>
+              <a:defRPr sz="900"/>
             </a:lvl4pPr>
-            <a:lvl5pPr marL="1219261" indent="0">
+            <a:lvl5pPr marL="822960" indent="0">
               <a:buNone/>
-              <a:defRPr sz="1333"/>
+              <a:defRPr sz="900"/>
             </a:lvl5pPr>
-            <a:lvl6pPr marL="1524076" indent="0">
+            <a:lvl6pPr marL="1028700" indent="0">
               <a:buNone/>
-              <a:defRPr sz="1333"/>
+              <a:defRPr sz="900"/>
             </a:lvl6pPr>
-            <a:lvl7pPr marL="1828891" indent="0">
+            <a:lvl7pPr marL="1234440" indent="0">
               <a:buNone/>
-              <a:defRPr sz="1333"/>
+              <a:defRPr sz="900"/>
             </a:lvl7pPr>
-            <a:lvl8pPr marL="2133707" indent="0">
+            <a:lvl8pPr marL="1440180" indent="0">
               <a:buNone/>
-              <a:defRPr sz="1333"/>
+              <a:defRPr sz="900"/>
             </a:lvl8pPr>
-            <a:lvl9pPr marL="2438522" indent="0">
+            <a:lvl9pPr marL="1645920" indent="0">
               <a:buNone/>
-              <a:defRPr sz="1333"/>
+              <a:defRPr sz="900"/>
             </a:lvl9pPr>
           </a:lstStyle>
           <a:p>
@@ -2721,8 +2725,8 @@
         </p:nvSpPr>
         <p:spPr>
           <a:xfrm>
-            <a:off x="839789" y="1371600"/>
-            <a:ext cx="3932237" cy="2541059"/>
+            <a:off x="283429" y="1234440"/>
+            <a:ext cx="1327130" cy="2286953"/>
           </a:xfrm>
         </p:spPr>
         <p:txBody>
@@ -2730,39 +2734,39 @@
           <a:lstStyle>
             <a:lvl1pPr marL="0" indent="0">
               <a:buNone/>
-              <a:defRPr sz="1067"/>
+              <a:defRPr sz="720"/>
             </a:lvl1pPr>
-            <a:lvl2pPr marL="304815" indent="0">
+            <a:lvl2pPr marL="205740" indent="0">
               <a:buNone/>
-              <a:defRPr sz="933"/>
+              <a:defRPr sz="630"/>
             </a:lvl2pPr>
-            <a:lvl3pPr marL="609630" indent="0">
+            <a:lvl3pPr marL="411480" indent="0">
               <a:buNone/>
-              <a:defRPr sz="800"/>
+              <a:defRPr sz="540"/>
             </a:lvl3pPr>
-            <a:lvl4pPr marL="914446" indent="0">
+            <a:lvl4pPr marL="617220" indent="0">
               <a:buNone/>
-              <a:defRPr sz="667"/>
+              <a:defRPr sz="450"/>
             </a:lvl4pPr>
-            <a:lvl5pPr marL="1219261" indent="0">
+            <a:lvl5pPr marL="822960" indent="0">
               <a:buNone/>
-              <a:defRPr sz="667"/>
+              <a:defRPr sz="450"/>
             </a:lvl5pPr>
-            <a:lvl6pPr marL="1524076" indent="0">
+            <a:lvl6pPr marL="1028700" indent="0">
               <a:buNone/>
-              <a:defRPr sz="667"/>
+              <a:defRPr sz="450"/>
             </a:lvl6pPr>
-            <a:lvl7pPr marL="1828891" indent="0">
+            <a:lvl7pPr marL="1234440" indent="0">
               <a:buNone/>
-              <a:defRPr sz="667"/>
+              <a:defRPr sz="450"/>
             </a:lvl7pPr>
-            <a:lvl8pPr marL="2133707" indent="0">
+            <a:lvl8pPr marL="1440180" indent="0">
               <a:buNone/>
-              <a:defRPr sz="667"/>
+              <a:defRPr sz="450"/>
             </a:lvl8pPr>
-            <a:lvl9pPr marL="2438522" indent="0">
+            <a:lvl9pPr marL="1645920" indent="0">
               <a:buNone/>
-              <a:defRPr sz="667"/>
+              <a:defRPr sz="450"/>
             </a:lvl9pPr>
           </a:lstStyle>
           <a:p>
@@ -2791,7 +2795,7 @@
           <a:p>
             <a:fld id="{098B7C45-5D91-A641-A05D-812082979713}" type="datetimeFigureOut">
               <a:rPr lang="en-US" smtClean="0"/>
-              <a:t>2/27/24</a:t>
+              <a:t>3/1/24</a:t>
             </a:fld>
             <a:endParaRPr lang="en-US"/>
           </a:p>
@@ -2842,7 +2846,7 @@
     </p:spTree>
     <p:extLst>
       <p:ext uri="{BB962C8B-B14F-4D97-AF65-F5344CB8AC3E}">
-        <p14:creationId xmlns:p14="http://schemas.microsoft.com/office/powerpoint/2010/main" val="276913115"/>
+        <p14:creationId xmlns:p14="http://schemas.microsoft.com/office/powerpoint/2010/main" val="3695904656"/>
       </p:ext>
     </p:extLst>
   </p:cSld>
@@ -2856,12 +2860,9 @@
 <p:sldMaster xmlns:a="http://schemas.openxmlformats.org/drawingml/2006/main" xmlns:r="http://schemas.openxmlformats.org/officeDocument/2006/relationships" xmlns:p="http://schemas.openxmlformats.org/presentationml/2006/main">
   <p:cSld>
     <p:bg>
-      <p:bgPr>
-        <a:solidFill>
-          <a:schemeClr val="bg1"/>
-        </a:solidFill>
-        <a:effectLst/>
-      </p:bgPr>
+      <p:bgRef idx="1001">
+        <a:schemeClr val="bg1"/>
+      </p:bgRef>
     </p:bg>
     <p:spTree>
       <p:nvGrpSpPr>
@@ -2889,8 +2890,8 @@
         </p:nvSpPr>
         <p:spPr>
           <a:xfrm>
-            <a:off x="838200" y="243417"/>
-            <a:ext cx="10515600" cy="883709"/>
+            <a:off x="282893" y="219076"/>
+            <a:ext cx="3549015" cy="795338"/>
           </a:xfrm>
           <a:prstGeom prst="rect">
             <a:avLst/>
@@ -2922,8 +2923,8 @@
         </p:nvSpPr>
         <p:spPr>
           <a:xfrm>
-            <a:off x="838200" y="1217083"/>
-            <a:ext cx="10515600" cy="2900892"/>
+            <a:off x="282893" y="1095375"/>
+            <a:ext cx="3549015" cy="2610803"/>
           </a:xfrm>
           <a:prstGeom prst="rect">
             <a:avLst/>
@@ -2984,8 +2985,8 @@
         </p:nvSpPr>
         <p:spPr>
           <a:xfrm>
-            <a:off x="838200" y="4237568"/>
-            <a:ext cx="2743200" cy="243417"/>
+            <a:off x="282893" y="3813811"/>
+            <a:ext cx="925830" cy="219075"/>
           </a:xfrm>
           <a:prstGeom prst="rect">
             <a:avLst/>
@@ -2995,7 +2996,7 @@
           <a:bodyPr vert="horz" lIns="91440" tIns="45720" rIns="91440" bIns="45720" rtlCol="0" anchor="ctr"/>
           <a:lstStyle>
             <a:lvl1pPr algn="l">
-              <a:defRPr sz="800">
+              <a:defRPr sz="540">
                 <a:solidFill>
                   <a:schemeClr val="tx1">
                     <a:tint val="75000"/>
@@ -3007,7 +3008,7 @@
           <a:p>
             <a:fld id="{098B7C45-5D91-A641-A05D-812082979713}" type="datetimeFigureOut">
               <a:rPr lang="en-US" smtClean="0"/>
-              <a:t>2/27/24</a:t>
+              <a:t>3/1/24</a:t>
             </a:fld>
             <a:endParaRPr lang="en-US"/>
           </a:p>
@@ -3025,8 +3026,8 @@
         </p:nvSpPr>
         <p:spPr>
           <a:xfrm>
-            <a:off x="4038600" y="4237568"/>
-            <a:ext cx="4114800" cy="243417"/>
+            <a:off x="1363028" y="3813811"/>
+            <a:ext cx="1388745" cy="219075"/>
           </a:xfrm>
           <a:prstGeom prst="rect">
             <a:avLst/>
@@ -3036,7 +3037,7 @@
           <a:bodyPr vert="horz" lIns="91440" tIns="45720" rIns="91440" bIns="45720" rtlCol="0" anchor="ctr"/>
           <a:lstStyle>
             <a:lvl1pPr algn="ctr">
-              <a:defRPr sz="800">
+              <a:defRPr sz="540">
                 <a:solidFill>
                   <a:schemeClr val="tx1">
                     <a:tint val="75000"/>
@@ -3062,8 +3063,8 @@
         </p:nvSpPr>
         <p:spPr>
           <a:xfrm>
-            <a:off x="8610600" y="4237568"/>
-            <a:ext cx="2743200" cy="243417"/>
+            <a:off x="2906078" y="3813811"/>
+            <a:ext cx="925830" cy="219075"/>
           </a:xfrm>
           <a:prstGeom prst="rect">
             <a:avLst/>
@@ -3073,7 +3074,7 @@
           <a:bodyPr vert="horz" lIns="91440" tIns="45720" rIns="91440" bIns="45720" rtlCol="0" anchor="ctr"/>
           <a:lstStyle>
             <a:lvl1pPr algn="r">
-              <a:defRPr sz="800">
+              <a:defRPr sz="540">
                 <a:solidFill>
                   <a:schemeClr val="tx1">
                     <a:tint val="75000"/>
@@ -3094,27 +3095,27 @@
     </p:spTree>
     <p:extLst>
       <p:ext uri="{BB962C8B-B14F-4D97-AF65-F5344CB8AC3E}">
-        <p14:creationId xmlns:p14="http://schemas.microsoft.com/office/powerpoint/2010/main" val="1001416243"/>
+        <p14:creationId xmlns:p14="http://schemas.microsoft.com/office/powerpoint/2010/main" val="2043444505"/>
       </p:ext>
     </p:extLst>
   </p:cSld>
   <p:clrMap bg1="lt1" tx1="dk1" bg2="lt2" tx2="dk2" accent1="accent1" accent2="accent2" accent3="accent3" accent4="accent4" accent5="accent5" accent6="accent6" hlink="hlink" folHlink="folHlink"/>
   <p:sldLayoutIdLst>
-    <p:sldLayoutId id="2147483661" r:id="rId1"/>
-    <p:sldLayoutId id="2147483662" r:id="rId2"/>
-    <p:sldLayoutId id="2147483663" r:id="rId3"/>
-    <p:sldLayoutId id="2147483664" r:id="rId4"/>
-    <p:sldLayoutId id="2147483665" r:id="rId5"/>
-    <p:sldLayoutId id="2147483666" r:id="rId6"/>
-    <p:sldLayoutId id="2147483667" r:id="rId7"/>
-    <p:sldLayoutId id="2147483668" r:id="rId8"/>
-    <p:sldLayoutId id="2147483669" r:id="rId9"/>
-    <p:sldLayoutId id="2147483670" r:id="rId10"/>
-    <p:sldLayoutId id="2147483671" r:id="rId11"/>
+    <p:sldLayoutId id="2147483721" r:id="rId1"/>
+    <p:sldLayoutId id="2147483722" r:id="rId2"/>
+    <p:sldLayoutId id="2147483723" r:id="rId3"/>
+    <p:sldLayoutId id="2147483724" r:id="rId4"/>
+    <p:sldLayoutId id="2147483725" r:id="rId5"/>
+    <p:sldLayoutId id="2147483726" r:id="rId6"/>
+    <p:sldLayoutId id="2147483727" r:id="rId7"/>
+    <p:sldLayoutId id="2147483728" r:id="rId8"/>
+    <p:sldLayoutId id="2147483729" r:id="rId9"/>
+    <p:sldLayoutId id="2147483730" r:id="rId10"/>
+    <p:sldLayoutId id="2147483731" r:id="rId11"/>
   </p:sldLayoutIdLst>
   <p:txStyles>
     <p:titleStyle>
-      <a:lvl1pPr algn="l" defTabSz="609630" rtl="0" eaLnBrk="1" latinLnBrk="0" hangingPunct="1">
+      <a:lvl1pPr algn="l" defTabSz="411480" rtl="0" eaLnBrk="1" latinLnBrk="0" hangingPunct="1">
         <a:lnSpc>
           <a:spcPct val="90000"/>
         </a:lnSpc>
@@ -3122,7 +3123,7 @@
           <a:spcPct val="0"/>
         </a:spcBef>
         <a:buNone/>
-        <a:defRPr sz="2933" kern="1200">
+        <a:defRPr sz="1980" kern="1200">
           <a:solidFill>
             <a:schemeClr val="tx1"/>
           </a:solidFill>
@@ -3133,16 +3134,16 @@
       </a:lvl1pPr>
     </p:titleStyle>
     <p:bodyStyle>
-      <a:lvl1pPr marL="152408" indent="-152408" algn="l" defTabSz="609630" rtl="0" eaLnBrk="1" latinLnBrk="0" hangingPunct="1">
+      <a:lvl1pPr marL="102870" indent="-102870" algn="l" defTabSz="411480" rtl="0" eaLnBrk="1" latinLnBrk="0" hangingPunct="1">
         <a:lnSpc>
           <a:spcPct val="90000"/>
         </a:lnSpc>
         <a:spcBef>
-          <a:spcPts val="667"/>
+          <a:spcPts val="450"/>
         </a:spcBef>
         <a:buFont typeface="Arial" panose="020B0604020202020204" pitchFamily="34" charset="0"/>
         <a:buChar char="•"/>
-        <a:defRPr sz="1867" kern="1200">
+        <a:defRPr sz="1260" kern="1200">
           <a:solidFill>
             <a:schemeClr val="tx1"/>
           </a:solidFill>
@@ -3151,16 +3152,16 @@
           <a:cs typeface="+mn-cs"/>
         </a:defRPr>
       </a:lvl1pPr>
-      <a:lvl2pPr marL="457223" indent="-152408" algn="l" defTabSz="609630" rtl="0" eaLnBrk="1" latinLnBrk="0" hangingPunct="1">
+      <a:lvl2pPr marL="308610" indent="-102870" algn="l" defTabSz="411480" rtl="0" eaLnBrk="1" latinLnBrk="0" hangingPunct="1">
         <a:lnSpc>
           <a:spcPct val="90000"/>
         </a:lnSpc>
         <a:spcBef>
-          <a:spcPts val="333"/>
+          <a:spcPts val="225"/>
         </a:spcBef>
         <a:buFont typeface="Arial" panose="020B0604020202020204" pitchFamily="34" charset="0"/>
         <a:buChar char="•"/>
-        <a:defRPr sz="1600" kern="1200">
+        <a:defRPr sz="1080" kern="1200">
           <a:solidFill>
             <a:schemeClr val="tx1"/>
           </a:solidFill>
@@ -3169,16 +3170,16 @@
           <a:cs typeface="+mn-cs"/>
         </a:defRPr>
       </a:lvl2pPr>
-      <a:lvl3pPr marL="762038" indent="-152408" algn="l" defTabSz="609630" rtl="0" eaLnBrk="1" latinLnBrk="0" hangingPunct="1">
+      <a:lvl3pPr marL="514350" indent="-102870" algn="l" defTabSz="411480" rtl="0" eaLnBrk="1" latinLnBrk="0" hangingPunct="1">
         <a:lnSpc>
           <a:spcPct val="90000"/>
         </a:lnSpc>
         <a:spcBef>
-          <a:spcPts val="333"/>
+          <a:spcPts val="225"/>
         </a:spcBef>
         <a:buFont typeface="Arial" panose="020B0604020202020204" pitchFamily="34" charset="0"/>
         <a:buChar char="•"/>
-        <a:defRPr sz="1333" kern="1200">
+        <a:defRPr sz="900" kern="1200">
           <a:solidFill>
             <a:schemeClr val="tx1"/>
           </a:solidFill>
@@ -3187,16 +3188,16 @@
           <a:cs typeface="+mn-cs"/>
         </a:defRPr>
       </a:lvl3pPr>
-      <a:lvl4pPr marL="1066853" indent="-152408" algn="l" defTabSz="609630" rtl="0" eaLnBrk="1" latinLnBrk="0" hangingPunct="1">
+      <a:lvl4pPr marL="720090" indent="-102870" algn="l" defTabSz="411480" rtl="0" eaLnBrk="1" latinLnBrk="0" hangingPunct="1">
         <a:lnSpc>
           <a:spcPct val="90000"/>
         </a:lnSpc>
         <a:spcBef>
-          <a:spcPts val="333"/>
+          <a:spcPts val="225"/>
         </a:spcBef>
         <a:buFont typeface="Arial" panose="020B0604020202020204" pitchFamily="34" charset="0"/>
         <a:buChar char="•"/>
-        <a:defRPr sz="1200" kern="1200">
+        <a:defRPr sz="810" kern="1200">
           <a:solidFill>
             <a:schemeClr val="tx1"/>
           </a:solidFill>
@@ -3205,16 +3206,16 @@
           <a:cs typeface="+mn-cs"/>
         </a:defRPr>
       </a:lvl4pPr>
-      <a:lvl5pPr marL="1371669" indent="-152408" algn="l" defTabSz="609630" rtl="0" eaLnBrk="1" latinLnBrk="0" hangingPunct="1">
+      <a:lvl5pPr marL="925830" indent="-102870" algn="l" defTabSz="411480" rtl="0" eaLnBrk="1" latinLnBrk="0" hangingPunct="1">
         <a:lnSpc>
           <a:spcPct val="90000"/>
         </a:lnSpc>
         <a:spcBef>
-          <a:spcPts val="333"/>
+          <a:spcPts val="225"/>
         </a:spcBef>
         <a:buFont typeface="Arial" panose="020B0604020202020204" pitchFamily="34" charset="0"/>
         <a:buChar char="•"/>
-        <a:defRPr sz="1200" kern="1200">
+        <a:defRPr sz="810" kern="1200">
           <a:solidFill>
             <a:schemeClr val="tx1"/>
           </a:solidFill>
@@ -3223,16 +3224,16 @@
           <a:cs typeface="+mn-cs"/>
         </a:defRPr>
       </a:lvl5pPr>
-      <a:lvl6pPr marL="1676484" indent="-152408" algn="l" defTabSz="609630" rtl="0" eaLnBrk="1" latinLnBrk="0" hangingPunct="1">
+      <a:lvl6pPr marL="1131570" indent="-102870" algn="l" defTabSz="411480" rtl="0" eaLnBrk="1" latinLnBrk="0" hangingPunct="1">
         <a:lnSpc>
           <a:spcPct val="90000"/>
         </a:lnSpc>
         <a:spcBef>
-          <a:spcPts val="333"/>
+          <a:spcPts val="225"/>
         </a:spcBef>
         <a:buFont typeface="Arial" panose="020B0604020202020204" pitchFamily="34" charset="0"/>
         <a:buChar char="•"/>
-        <a:defRPr sz="1200" kern="1200">
+        <a:defRPr sz="810" kern="1200">
           <a:solidFill>
             <a:schemeClr val="tx1"/>
           </a:solidFill>
@@ -3241,16 +3242,16 @@
           <a:cs typeface="+mn-cs"/>
         </a:defRPr>
       </a:lvl6pPr>
-      <a:lvl7pPr marL="1981299" indent="-152408" algn="l" defTabSz="609630" rtl="0" eaLnBrk="1" latinLnBrk="0" hangingPunct="1">
+      <a:lvl7pPr marL="1337310" indent="-102870" algn="l" defTabSz="411480" rtl="0" eaLnBrk="1" latinLnBrk="0" hangingPunct="1">
         <a:lnSpc>
           <a:spcPct val="90000"/>
         </a:lnSpc>
         <a:spcBef>
-          <a:spcPts val="333"/>
+          <a:spcPts val="225"/>
         </a:spcBef>
         <a:buFont typeface="Arial" panose="020B0604020202020204" pitchFamily="34" charset="0"/>
         <a:buChar char="•"/>
-        <a:defRPr sz="1200" kern="1200">
+        <a:defRPr sz="810" kern="1200">
           <a:solidFill>
             <a:schemeClr val="tx1"/>
           </a:solidFill>
@@ -3259,16 +3260,16 @@
           <a:cs typeface="+mn-cs"/>
         </a:defRPr>
       </a:lvl7pPr>
-      <a:lvl8pPr marL="2286114" indent="-152408" algn="l" defTabSz="609630" rtl="0" eaLnBrk="1" latinLnBrk="0" hangingPunct="1">
+      <a:lvl8pPr marL="1543050" indent="-102870" algn="l" defTabSz="411480" rtl="0" eaLnBrk="1" latinLnBrk="0" hangingPunct="1">
         <a:lnSpc>
           <a:spcPct val="90000"/>
         </a:lnSpc>
         <a:spcBef>
-          <a:spcPts val="333"/>
+          <a:spcPts val="225"/>
         </a:spcBef>
         <a:buFont typeface="Arial" panose="020B0604020202020204" pitchFamily="34" charset="0"/>
         <a:buChar char="•"/>
-        <a:defRPr sz="1200" kern="1200">
+        <a:defRPr sz="810" kern="1200">
           <a:solidFill>
             <a:schemeClr val="tx1"/>
           </a:solidFill>
@@ -3277,16 +3278,16 @@
           <a:cs typeface="+mn-cs"/>
         </a:defRPr>
       </a:lvl8pPr>
-      <a:lvl9pPr marL="2590930" indent="-152408" algn="l" defTabSz="609630" rtl="0" eaLnBrk="1" latinLnBrk="0" hangingPunct="1">
+      <a:lvl9pPr marL="1748790" indent="-102870" algn="l" defTabSz="411480" rtl="0" eaLnBrk="1" latinLnBrk="0" hangingPunct="1">
         <a:lnSpc>
           <a:spcPct val="90000"/>
         </a:lnSpc>
         <a:spcBef>
-          <a:spcPts val="333"/>
+          <a:spcPts val="225"/>
         </a:spcBef>
         <a:buFont typeface="Arial" panose="020B0604020202020204" pitchFamily="34" charset="0"/>
         <a:buChar char="•"/>
-        <a:defRPr sz="1200" kern="1200">
+        <a:defRPr sz="810" kern="1200">
           <a:solidFill>
             <a:schemeClr val="tx1"/>
           </a:solidFill>
@@ -3300,8 +3301,8 @@
       <a:defPPr>
         <a:defRPr lang="en-US"/>
       </a:defPPr>
-      <a:lvl1pPr marL="0" algn="l" defTabSz="609630" rtl="0" eaLnBrk="1" latinLnBrk="0" hangingPunct="1">
-        <a:defRPr sz="1200" kern="1200">
+      <a:lvl1pPr marL="0" algn="l" defTabSz="411480" rtl="0" eaLnBrk="1" latinLnBrk="0" hangingPunct="1">
+        <a:defRPr sz="810" kern="1200">
           <a:solidFill>
             <a:schemeClr val="tx1"/>
           </a:solidFill>
@@ -3310,8 +3311,8 @@
           <a:cs typeface="+mn-cs"/>
         </a:defRPr>
       </a:lvl1pPr>
-      <a:lvl2pPr marL="304815" algn="l" defTabSz="609630" rtl="0" eaLnBrk="1" latinLnBrk="0" hangingPunct="1">
-        <a:defRPr sz="1200" kern="1200">
+      <a:lvl2pPr marL="205740" algn="l" defTabSz="411480" rtl="0" eaLnBrk="1" latinLnBrk="0" hangingPunct="1">
+        <a:defRPr sz="810" kern="1200">
           <a:solidFill>
             <a:schemeClr val="tx1"/>
           </a:solidFill>
@@ -3320,8 +3321,8 @@
           <a:cs typeface="+mn-cs"/>
         </a:defRPr>
       </a:lvl2pPr>
-      <a:lvl3pPr marL="609630" algn="l" defTabSz="609630" rtl="0" eaLnBrk="1" latinLnBrk="0" hangingPunct="1">
-        <a:defRPr sz="1200" kern="1200">
+      <a:lvl3pPr marL="411480" algn="l" defTabSz="411480" rtl="0" eaLnBrk="1" latinLnBrk="0" hangingPunct="1">
+        <a:defRPr sz="810" kern="1200">
           <a:solidFill>
             <a:schemeClr val="tx1"/>
           </a:solidFill>
@@ -3330,8 +3331,8 @@
           <a:cs typeface="+mn-cs"/>
         </a:defRPr>
       </a:lvl3pPr>
-      <a:lvl4pPr marL="914446" algn="l" defTabSz="609630" rtl="0" eaLnBrk="1" latinLnBrk="0" hangingPunct="1">
-        <a:defRPr sz="1200" kern="1200">
+      <a:lvl4pPr marL="617220" algn="l" defTabSz="411480" rtl="0" eaLnBrk="1" latinLnBrk="0" hangingPunct="1">
+        <a:defRPr sz="810" kern="1200">
           <a:solidFill>
             <a:schemeClr val="tx1"/>
           </a:solidFill>
@@ -3340,8 +3341,8 @@
           <a:cs typeface="+mn-cs"/>
         </a:defRPr>
       </a:lvl4pPr>
-      <a:lvl5pPr marL="1219261" algn="l" defTabSz="609630" rtl="0" eaLnBrk="1" latinLnBrk="0" hangingPunct="1">
-        <a:defRPr sz="1200" kern="1200">
+      <a:lvl5pPr marL="822960" algn="l" defTabSz="411480" rtl="0" eaLnBrk="1" latinLnBrk="0" hangingPunct="1">
+        <a:defRPr sz="810" kern="1200">
           <a:solidFill>
             <a:schemeClr val="tx1"/>
           </a:solidFill>
@@ -3350,8 +3351,8 @@
           <a:cs typeface="+mn-cs"/>
         </a:defRPr>
       </a:lvl5pPr>
-      <a:lvl6pPr marL="1524076" algn="l" defTabSz="609630" rtl="0" eaLnBrk="1" latinLnBrk="0" hangingPunct="1">
-        <a:defRPr sz="1200" kern="1200">
+      <a:lvl6pPr marL="1028700" algn="l" defTabSz="411480" rtl="0" eaLnBrk="1" latinLnBrk="0" hangingPunct="1">
+        <a:defRPr sz="810" kern="1200">
           <a:solidFill>
             <a:schemeClr val="tx1"/>
           </a:solidFill>
@@ -3360,8 +3361,8 @@
           <a:cs typeface="+mn-cs"/>
         </a:defRPr>
       </a:lvl6pPr>
-      <a:lvl7pPr marL="1828891" algn="l" defTabSz="609630" rtl="0" eaLnBrk="1" latinLnBrk="0" hangingPunct="1">
-        <a:defRPr sz="1200" kern="1200">
+      <a:lvl7pPr marL="1234440" algn="l" defTabSz="411480" rtl="0" eaLnBrk="1" latinLnBrk="0" hangingPunct="1">
+        <a:defRPr sz="810" kern="1200">
           <a:solidFill>
             <a:schemeClr val="tx1"/>
           </a:solidFill>
@@ -3370,8 +3371,8 @@
           <a:cs typeface="+mn-cs"/>
         </a:defRPr>
       </a:lvl7pPr>
-      <a:lvl8pPr marL="2133707" algn="l" defTabSz="609630" rtl="0" eaLnBrk="1" latinLnBrk="0" hangingPunct="1">
-        <a:defRPr sz="1200" kern="1200">
+      <a:lvl8pPr marL="1440180" algn="l" defTabSz="411480" rtl="0" eaLnBrk="1" latinLnBrk="0" hangingPunct="1">
+        <a:defRPr sz="810" kern="1200">
           <a:solidFill>
             <a:schemeClr val="tx1"/>
           </a:solidFill>
@@ -3380,8 +3381,8 @@
           <a:cs typeface="+mn-cs"/>
         </a:defRPr>
       </a:lvl8pPr>
-      <a:lvl9pPr marL="2438522" algn="l" defTabSz="609630" rtl="0" eaLnBrk="1" latinLnBrk="0" hangingPunct="1">
-        <a:defRPr sz="1200" kern="1200">
+      <a:lvl9pPr marL="1645920" algn="l" defTabSz="411480" rtl="0" eaLnBrk="1" latinLnBrk="0" hangingPunct="1">
+        <a:defRPr sz="810" kern="1200">
           <a:solidFill>
             <a:schemeClr val="tx1"/>
           </a:solidFill>
@@ -3426,10 +3427,10 @@
         </p:nvGrpSpPr>
         <p:grpSpPr>
           <a:xfrm>
-            <a:off x="254200" y="10792"/>
-            <a:ext cx="4453504" cy="4599520"/>
+            <a:off x="-3200220" y="9713"/>
+            <a:ext cx="4008154" cy="4123256"/>
             <a:chOff x="54848" y="0"/>
-            <a:chExt cx="4357867" cy="4766691"/>
+            <a:chExt cx="4357867" cy="4747908"/>
           </a:xfrm>
         </p:grpSpPr>
         <p:pic>
@@ -3477,9 +3478,9 @@
           <p:grpSpPr>
             <a:xfrm>
               <a:off x="147919" y="686128"/>
-              <a:ext cx="3286688" cy="4080563"/>
+              <a:ext cx="3286688" cy="4061780"/>
               <a:chOff x="118099" y="2333015"/>
-              <a:chExt cx="3286688" cy="4080563"/>
+              <a:chExt cx="3286688" cy="4061780"/>
             </a:xfrm>
           </p:grpSpPr>
           <p:sp>
@@ -3497,7 +3498,7 @@
             <p:spPr>
               <a:xfrm>
                 <a:off x="255181" y="2333015"/>
-                <a:ext cx="270997" cy="533201"/>
+                <a:ext cx="270997" cy="364667"/>
               </a:xfrm>
               <a:prstGeom prst="rect">
                 <a:avLst/>
@@ -3511,7 +3512,7 @@
               <a:lstStyle/>
               <a:p>
                 <a:r>
-                  <a:rPr lang="en-US" dirty="0">
+                  <a:rPr lang="en-US" sz="1458" dirty="0">
                     <a:latin typeface="Helvetica Neue" panose="02000503000000020004" pitchFamily="2" charset="0"/>
                     <a:ea typeface="Helvetica Neue" panose="02000503000000020004" pitchFamily="2" charset="0"/>
                     <a:cs typeface="Helvetica Neue" panose="02000503000000020004" pitchFamily="2" charset="0"/>
@@ -3536,7 +3537,7 @@
             <p:spPr>
               <a:xfrm>
                 <a:off x="691585" y="2817995"/>
-                <a:ext cx="270997" cy="533201"/>
+                <a:ext cx="270997" cy="364667"/>
               </a:xfrm>
               <a:prstGeom prst="rect">
                 <a:avLst/>
@@ -3550,7 +3551,7 @@
               <a:lstStyle/>
               <a:p>
                 <a:r>
-                  <a:rPr lang="en-US" dirty="0">
+                  <a:rPr lang="en-US" sz="1458" dirty="0">
                     <a:latin typeface="Helvetica Neue" panose="02000503000000020004" pitchFamily="2" charset="0"/>
                     <a:ea typeface="Helvetica Neue" panose="02000503000000020004" pitchFamily="2" charset="0"/>
                     <a:cs typeface="Helvetica Neue" panose="02000503000000020004" pitchFamily="2" charset="0"/>
@@ -3575,7 +3576,7 @@
             <p:spPr>
               <a:xfrm>
                 <a:off x="1127990" y="3321504"/>
-                <a:ext cx="270997" cy="533201"/>
+                <a:ext cx="270997" cy="364667"/>
               </a:xfrm>
               <a:prstGeom prst="rect">
                 <a:avLst/>
@@ -3589,7 +3590,7 @@
               <a:lstStyle/>
               <a:p>
                 <a:r>
-                  <a:rPr lang="en-US" dirty="0">
+                  <a:rPr lang="en-US" sz="1458" dirty="0">
                     <a:latin typeface="Helvetica Neue" panose="02000503000000020004" pitchFamily="2" charset="0"/>
                     <a:ea typeface="Helvetica Neue" panose="02000503000000020004" pitchFamily="2" charset="0"/>
                     <a:cs typeface="Helvetica Neue" panose="02000503000000020004" pitchFamily="2" charset="0"/>
@@ -3614,7 +3615,7 @@
             <p:spPr>
               <a:xfrm>
                 <a:off x="1577803" y="3754636"/>
-                <a:ext cx="270997" cy="533201"/>
+                <a:ext cx="270997" cy="364667"/>
               </a:xfrm>
               <a:prstGeom prst="rect">
                 <a:avLst/>
@@ -3628,7 +3629,7 @@
               <a:lstStyle/>
               <a:p>
                 <a:r>
-                  <a:rPr lang="en-US" dirty="0">
+                  <a:rPr lang="en-US" sz="1458" dirty="0">
                     <a:latin typeface="Helvetica Neue" panose="02000503000000020004" pitchFamily="2" charset="0"/>
                     <a:ea typeface="Helvetica Neue" panose="02000503000000020004" pitchFamily="2" charset="0"/>
                     <a:cs typeface="Helvetica Neue" panose="02000503000000020004" pitchFamily="2" charset="0"/>
@@ -3653,7 +3654,7 @@
             <p:spPr>
               <a:xfrm>
                 <a:off x="2010507" y="4212615"/>
-                <a:ext cx="270997" cy="533201"/>
+                <a:ext cx="270997" cy="364667"/>
               </a:xfrm>
               <a:prstGeom prst="rect">
                 <a:avLst/>
@@ -3667,7 +3668,7 @@
               <a:lstStyle/>
               <a:p>
                 <a:r>
-                  <a:rPr lang="en-US" dirty="0">
+                  <a:rPr lang="en-US" sz="1458" dirty="0">
                     <a:latin typeface="Helvetica Neue" panose="02000503000000020004" pitchFamily="2" charset="0"/>
                     <a:ea typeface="Helvetica Neue" panose="02000503000000020004" pitchFamily="2" charset="0"/>
                     <a:cs typeface="Helvetica Neue" panose="02000503000000020004" pitchFamily="2" charset="0"/>
@@ -3692,7 +3693,7 @@
             <p:spPr>
               <a:xfrm>
                 <a:off x="2448659" y="4657487"/>
-                <a:ext cx="270997" cy="533201"/>
+                <a:ext cx="270997" cy="364667"/>
               </a:xfrm>
               <a:prstGeom prst="rect">
                 <a:avLst/>
@@ -3706,7 +3707,7 @@
               <a:lstStyle/>
               <a:p>
                 <a:r>
-                  <a:rPr lang="en-US" dirty="0">
+                  <a:rPr lang="en-US" sz="1458" dirty="0">
                     <a:latin typeface="Helvetica Neue" panose="02000503000000020004" pitchFamily="2" charset="0"/>
                     <a:ea typeface="Helvetica Neue" panose="02000503000000020004" pitchFamily="2" charset="0"/>
                     <a:cs typeface="Helvetica Neue" panose="02000503000000020004" pitchFamily="2" charset="0"/>
@@ -3731,7 +3732,7 @@
             <p:spPr>
               <a:xfrm>
                 <a:off x="2871729" y="5153346"/>
-                <a:ext cx="270997" cy="533201"/>
+                <a:ext cx="270997" cy="364667"/>
               </a:xfrm>
               <a:prstGeom prst="rect">
                 <a:avLst/>
@@ -3745,7 +3746,7 @@
               <a:lstStyle/>
               <a:p>
                 <a:r>
-                  <a:rPr lang="en-US" dirty="0">
+                  <a:rPr lang="en-US" sz="1458" dirty="0">
                     <a:latin typeface="Helvetica Neue" panose="02000503000000020004" pitchFamily="2" charset="0"/>
                     <a:ea typeface="Helvetica Neue" panose="02000503000000020004" pitchFamily="2" charset="0"/>
                     <a:cs typeface="Helvetica Neue" panose="02000503000000020004" pitchFamily="2" charset="0"/>
@@ -3772,7 +3773,7 @@
                 <p:spPr>
                   <a:xfrm>
                     <a:off x="118099" y="6023114"/>
-                    <a:ext cx="3286688" cy="390464"/>
+                    <a:ext cx="3286688" cy="371681"/>
                   </a:xfrm>
                   <a:prstGeom prst="rect">
                     <a:avLst/>
@@ -3786,11 +3787,11 @@
                   <a:lstStyle/>
                   <a:p>
                     <a:r>
-                      <a:rPr lang="en-US" dirty="0"/>
+                      <a:rPr lang="en-US" sz="1458" dirty="0"/>
                       <a:t> </a:t>
                     </a:r>
                     <a:r>
-                      <a:rPr lang="en-US" dirty="0">
+                      <a:rPr lang="en-US" sz="1458" dirty="0">
                         <a:latin typeface="Helvetica Neue" panose="02000503000000020004" pitchFamily="2" charset="0"/>
                         <a:ea typeface="Helvetica Neue" panose="02000503000000020004" pitchFamily="2" charset="0"/>
                         <a:cs typeface="Helvetica Neue" panose="02000503000000020004" pitchFamily="2" charset="0"/>
@@ -3798,7 +3799,7 @@
                       <a:t>(a)</a:t>
                     </a:r>
                     <a:r>
-                      <a:rPr lang="en-US" dirty="0"/>
+                      <a:rPr lang="en-US" sz="1458" dirty="0"/>
                       <a:t> </a:t>
                     </a:r>
                     <a14:m>
@@ -3807,14 +3808,14 @@
                           <m:accPr>
                             <m:chr m:val="̂"/>
                             <m:ctrlPr>
-                              <a:rPr lang="en-US" i="1" smtClean="0">
+                              <a:rPr lang="en-US" sz="1458" i="1">
                                 <a:latin typeface="Cambria Math" panose="02040503050406030204" pitchFamily="18" charset="0"/>
                               </a:rPr>
                             </m:ctrlPr>
                           </m:accPr>
                           <m:e>
                             <m:r>
-                              <a:rPr lang="en-US" b="0" i="1" smtClean="0">
+                              <a:rPr lang="en-US" sz="1458" i="1">
                                 <a:latin typeface="Cambria Math" panose="02040503050406030204" pitchFamily="18" charset="0"/>
                               </a:rPr>
                               <m:t>𝑁</m:t>
@@ -3822,7 +3823,7 @@
                           </m:e>
                         </m:acc>
                         <m:r>
-                          <a:rPr lang="en-US" b="0" i="1" smtClean="0">
+                          <a:rPr lang="en-US" sz="1458" i="1">
                             <a:latin typeface="Cambria Math" panose="02040503050406030204" pitchFamily="18" charset="0"/>
                           </a:rPr>
                           <m:t> </m:t>
@@ -3830,14 +3831,11 @@
                       </m:oMath>
                     </a14:m>
                     <a:r>
-                      <a:rPr lang="en-US" dirty="0">
+                      <a:rPr lang="en-US" sz="1458" dirty="0">
                         <a:latin typeface="Helvetica Neue" panose="02000503000000020004" pitchFamily="2" charset="0"/>
                       </a:rPr>
                       <a:t> operator correlation</a:t>
                     </a:r>
-                    <a:endParaRPr lang="en-US" b="0" dirty="0">
-                      <a:latin typeface="Helvetica Neue" panose="02000503000000020004" pitchFamily="2" charset="0"/>
-                    </a:endParaRPr>
                   </a:p>
                 </p:txBody>
               </p:sp>
@@ -3860,7 +3858,7 @@
                 <p:spPr>
                   <a:xfrm>
                     <a:off x="118099" y="6023114"/>
-                    <a:ext cx="3286688" cy="390464"/>
+                    <a:ext cx="3286688" cy="371681"/>
                   </a:xfrm>
                   <a:prstGeom prst="rect">
                     <a:avLst/>
@@ -3868,7 +3866,7 @@
                   <a:blipFill>
                     <a:blip r:embed="rId4"/>
                     <a:stretch>
-                      <a:fillRect t="-6667" b="-26667"/>
+                      <a:fillRect t="-3846" b="-15385"/>
                     </a:stretch>
                   </a:blipFill>
                 </p:spPr>
@@ -3903,10 +3901,10 @@
         </p:nvGrpSpPr>
         <p:grpSpPr>
           <a:xfrm>
-            <a:off x="7742192" y="10792"/>
-            <a:ext cx="4100494" cy="4580456"/>
+            <a:off x="3538976" y="9716"/>
+            <a:ext cx="3690445" cy="4105785"/>
             <a:chOff x="7963084" y="518616"/>
-            <a:chExt cx="4205148" cy="4847597"/>
+            <a:chExt cx="4205148" cy="4828046"/>
           </a:xfrm>
         </p:grpSpPr>
         <p:pic>
@@ -3953,9 +3951,9 @@
           <p:grpSpPr>
             <a:xfrm>
               <a:off x="8161531" y="1219294"/>
-              <a:ext cx="3175494" cy="4146919"/>
+              <a:ext cx="3098524" cy="4127368"/>
               <a:chOff x="8161531" y="2362293"/>
-              <a:chExt cx="3175494" cy="4146919"/>
+              <a:chExt cx="3098524" cy="4127368"/>
             </a:xfrm>
           </p:grpSpPr>
           <p:sp>
@@ -3973,7 +3971,7 @@
             <p:spPr>
               <a:xfrm>
                 <a:off x="8161531" y="2362293"/>
-                <a:ext cx="455300" cy="390872"/>
+                <a:ext cx="455300" cy="372400"/>
               </a:xfrm>
               <a:prstGeom prst="rect">
                 <a:avLst/>
@@ -3987,7 +3985,7 @@
               <a:lstStyle/>
               <a:p>
                 <a:r>
-                  <a:rPr lang="en-US" dirty="0">
+                  <a:rPr lang="en-US" sz="1458" dirty="0">
                     <a:latin typeface="Helvetica Neue" panose="02000503000000020004" pitchFamily="2" charset="0"/>
                     <a:ea typeface="Helvetica Neue" panose="02000503000000020004" pitchFamily="2" charset="0"/>
                     <a:cs typeface="Helvetica Neue" panose="02000503000000020004" pitchFamily="2" charset="0"/>
@@ -4012,7 +4010,7 @@
             <p:spPr>
               <a:xfrm>
                 <a:off x="8663991" y="2814393"/>
-                <a:ext cx="270997" cy="630833"/>
+                <a:ext cx="270997" cy="372400"/>
               </a:xfrm>
               <a:prstGeom prst="rect">
                 <a:avLst/>
@@ -4026,7 +4024,7 @@
               <a:lstStyle/>
               <a:p>
                 <a:r>
-                  <a:rPr lang="en-US" dirty="0">
+                  <a:rPr lang="en-US" sz="1458" dirty="0">
                     <a:latin typeface="Helvetica Neue" panose="02000503000000020004" pitchFamily="2" charset="0"/>
                     <a:ea typeface="Helvetica Neue" panose="02000503000000020004" pitchFamily="2" charset="0"/>
                     <a:cs typeface="Helvetica Neue" panose="02000503000000020004" pitchFamily="2" charset="0"/>
@@ -4051,7 +4049,7 @@
             <p:spPr>
               <a:xfrm>
                 <a:off x="9119688" y="3285419"/>
-                <a:ext cx="270997" cy="630833"/>
+                <a:ext cx="270997" cy="372400"/>
               </a:xfrm>
               <a:prstGeom prst="rect">
                 <a:avLst/>
@@ -4065,7 +4063,7 @@
               <a:lstStyle/>
               <a:p>
                 <a:r>
-                  <a:rPr lang="en-US" dirty="0">
+                  <a:rPr lang="en-US" sz="1458" dirty="0">
                     <a:latin typeface="Helvetica Neue" panose="02000503000000020004" pitchFamily="2" charset="0"/>
                     <a:ea typeface="Helvetica Neue" panose="02000503000000020004" pitchFamily="2" charset="0"/>
                     <a:cs typeface="Helvetica Neue" panose="02000503000000020004" pitchFamily="2" charset="0"/>
@@ -4090,7 +4088,7 @@
             <p:spPr>
               <a:xfrm>
                 <a:off x="9575385" y="3770897"/>
-                <a:ext cx="270997" cy="630833"/>
+                <a:ext cx="270997" cy="372400"/>
               </a:xfrm>
               <a:prstGeom prst="rect">
                 <a:avLst/>
@@ -4104,7 +4102,7 @@
               <a:lstStyle/>
               <a:p>
                 <a:r>
-                  <a:rPr lang="en-US" dirty="0">
+                  <a:rPr lang="en-US" sz="1458" dirty="0">
                     <a:latin typeface="Helvetica Neue" panose="02000503000000020004" pitchFamily="2" charset="0"/>
                     <a:ea typeface="Helvetica Neue" panose="02000503000000020004" pitchFamily="2" charset="0"/>
                     <a:cs typeface="Helvetica Neue" panose="02000503000000020004" pitchFamily="2" charset="0"/>
@@ -4128,8 +4126,8 @@
             </p:nvSpPr>
             <p:spPr>
               <a:xfrm>
-                <a:off x="10076774" y="4222669"/>
-                <a:ext cx="270997" cy="630833"/>
+                <a:off x="10076775" y="4222669"/>
+                <a:ext cx="270997" cy="372400"/>
               </a:xfrm>
               <a:prstGeom prst="rect">
                 <a:avLst/>
@@ -4143,7 +4141,7 @@
               <a:lstStyle/>
               <a:p>
                 <a:r>
-                  <a:rPr lang="en-US" dirty="0">
+                  <a:rPr lang="en-US" sz="1458" dirty="0">
                     <a:latin typeface="Helvetica Neue" panose="02000503000000020004" pitchFamily="2" charset="0"/>
                     <a:ea typeface="Helvetica Neue" panose="02000503000000020004" pitchFamily="2" charset="0"/>
                     <a:cs typeface="Helvetica Neue" panose="02000503000000020004" pitchFamily="2" charset="0"/>
@@ -4167,8 +4165,8 @@
             </p:nvSpPr>
             <p:spPr>
               <a:xfrm>
-                <a:off x="10532916" y="4681328"/>
-                <a:ext cx="270997" cy="630833"/>
+                <a:off x="10532917" y="4681328"/>
+                <a:ext cx="270997" cy="372400"/>
               </a:xfrm>
               <a:prstGeom prst="rect">
                 <a:avLst/>
@@ -4182,7 +4180,7 @@
               <a:lstStyle/>
               <a:p>
                 <a:r>
-                  <a:rPr lang="en-US" dirty="0">
+                  <a:rPr lang="en-US" sz="1458" dirty="0">
                     <a:latin typeface="Helvetica Neue" panose="02000503000000020004" pitchFamily="2" charset="0"/>
                     <a:ea typeface="Helvetica Neue" panose="02000503000000020004" pitchFamily="2" charset="0"/>
                     <a:cs typeface="Helvetica Neue" panose="02000503000000020004" pitchFamily="2" charset="0"/>
@@ -4207,7 +4205,7 @@
             <p:spPr>
               <a:xfrm>
                 <a:off x="10989058" y="5156106"/>
-                <a:ext cx="270997" cy="630833"/>
+                <a:ext cx="270997" cy="372400"/>
               </a:xfrm>
               <a:prstGeom prst="rect">
                 <a:avLst/>
@@ -4221,7 +4219,7 @@
               <a:lstStyle/>
               <a:p>
                 <a:r>
-                  <a:rPr lang="en-US" dirty="0">
+                  <a:rPr lang="en-US" sz="1458" dirty="0">
                     <a:latin typeface="Helvetica Neue" panose="02000503000000020004" pitchFamily="2" charset="0"/>
                     <a:ea typeface="Helvetica Neue" panose="02000503000000020004" pitchFamily="2" charset="0"/>
                     <a:cs typeface="Helvetica Neue" panose="02000503000000020004" pitchFamily="2" charset="0"/>
@@ -4248,7 +4246,7 @@
                 <p:spPr>
                   <a:xfrm>
                     <a:off x="8389182" y="6108364"/>
-                    <a:ext cx="2947843" cy="400848"/>
+                    <a:ext cx="2645169" cy="381297"/>
                   </a:xfrm>
                   <a:prstGeom prst="rect">
                     <a:avLst/>
@@ -4262,7 +4260,7 @@
                   <a:lstStyle/>
                   <a:p>
                     <a:r>
-                      <a:rPr lang="en-US" dirty="0">
+                      <a:rPr lang="en-US" sz="1458" dirty="0">
                         <a:latin typeface="Helvetica Neue" panose="02000503000000020004" pitchFamily="2" charset="0"/>
                         <a:ea typeface="Helvetica Neue" panose="02000503000000020004" pitchFamily="2" charset="0"/>
                         <a:cs typeface="Helvetica Neue" panose="02000503000000020004" pitchFamily="2" charset="0"/>
@@ -4274,7 +4272,7 @@
                         <m:sSup>
                           <m:sSupPr>
                             <m:ctrlPr>
-                              <a:rPr lang="en-US" i="1">
+                              <a:rPr lang="en-US" sz="1458" i="1">
                                 <a:latin typeface="Cambria Math" panose="02040503050406030204" pitchFamily="18" charset="0"/>
                               </a:rPr>
                             </m:ctrlPr>
@@ -4284,14 +4282,14 @@
                               <m:accPr>
                                 <m:chr m:val="̂"/>
                                 <m:ctrlPr>
-                                  <a:rPr lang="en-US" i="1">
+                                  <a:rPr lang="en-US" sz="1458" i="1">
                                     <a:latin typeface="Cambria Math" panose="02040503050406030204" pitchFamily="18" charset="0"/>
                                   </a:rPr>
                                 </m:ctrlPr>
                               </m:accPr>
                               <m:e>
                                 <m:r>
-                                  <a:rPr lang="en-US" i="1">
+                                  <a:rPr lang="en-US" sz="1458" i="1">
                                     <a:latin typeface="Cambria Math" panose="02040503050406030204" pitchFamily="18" charset="0"/>
                                   </a:rPr>
                                   <m:t>𝑆</m:t>
@@ -4301,7 +4299,7 @@
                           </m:e>
                           <m:sup>
                             <m:r>
-                              <a:rPr lang="en-US" i="1">
+                              <a:rPr lang="en-US" sz="1458" i="1">
                                 <a:latin typeface="Cambria Math" panose="02040503050406030204" pitchFamily="18" charset="0"/>
                               </a:rPr>
                               <m:t>𝑧</m:t>
@@ -4309,7 +4307,7 @@
                           </m:sup>
                         </m:sSup>
                         <m:r>
-                          <a:rPr lang="en-US" i="1">
+                          <a:rPr lang="en-US" sz="1458" i="1">
                             <a:latin typeface="Cambria Math" panose="02040503050406030204" pitchFamily="18" charset="0"/>
                           </a:rPr>
                           <m:t> </m:t>
@@ -4317,7 +4315,7 @@
                       </m:oMath>
                     </a14:m>
                     <a:r>
-                      <a:rPr lang="en-US" dirty="0">
+                      <a:rPr lang="en-US" sz="1458" dirty="0">
                         <a:latin typeface="Helvetica Neue" panose="02000503000000020004" pitchFamily="2" charset="0"/>
                       </a:rPr>
                       <a:t>operator correlation</a:t>
@@ -4344,7 +4342,7 @@
                 <p:spPr>
                   <a:xfrm>
                     <a:off x="8389182" y="6108364"/>
-                    <a:ext cx="2947843" cy="400848"/>
+                    <a:ext cx="2645169" cy="381297"/>
                   </a:xfrm>
                   <a:prstGeom prst="rect">
                     <a:avLst/>
@@ -4352,7 +4350,7 @@
                   <a:blipFill>
                     <a:blip r:embed="rId6"/>
                     <a:stretch>
-                      <a:fillRect l="-1762" t="-6452" b="-22581"/>
+                      <a:fillRect l="-1087" b="-19231"/>
                     </a:stretch>
                   </a:blipFill>
                 </p:spPr>
@@ -4387,10 +4385,10 @@
         </p:nvGrpSpPr>
         <p:grpSpPr>
           <a:xfrm>
-            <a:off x="4355386" y="1073960"/>
-            <a:ext cx="3419455" cy="3536352"/>
+            <a:off x="490849" y="966564"/>
+            <a:ext cx="3077510" cy="3167008"/>
             <a:chOff x="4386277" y="1565283"/>
-            <a:chExt cx="3419455" cy="3536352"/>
+            <a:chExt cx="3419455" cy="3518898"/>
           </a:xfrm>
         </p:grpSpPr>
         <p:pic>
@@ -4438,9 +4436,9 @@
           <p:grpSpPr>
             <a:xfrm>
               <a:off x="4762610" y="1889402"/>
-              <a:ext cx="2634696" cy="3212233"/>
+              <a:ext cx="2415405" cy="3194779"/>
               <a:chOff x="4762610" y="3032401"/>
-              <a:chExt cx="2634696" cy="3212233"/>
+              <a:chExt cx="2415405" cy="3194779"/>
             </a:xfrm>
           </p:grpSpPr>
           <p:sp>
@@ -4493,7 +4491,7 @@
               <a:lstStyle/>
               <a:p>
                 <a:pPr algn="ctr"/>
-                <a:endParaRPr lang="en-US" dirty="0"/>
+                <a:endParaRPr lang="en-US" sz="1458" dirty="0"/>
               </a:p>
             </p:txBody>
           </p:sp>
@@ -4547,7 +4545,7 @@
               <a:lstStyle/>
               <a:p>
                 <a:pPr algn="ctr"/>
-                <a:endParaRPr lang="en-US" dirty="0"/>
+                <a:endParaRPr lang="en-US" sz="1458" dirty="0"/>
               </a:p>
             </p:txBody>
           </p:sp>
@@ -4601,7 +4599,7 @@
               <a:lstStyle/>
               <a:p>
                 <a:pPr algn="ctr"/>
-                <a:endParaRPr lang="en-US" dirty="0"/>
+                <a:endParaRPr lang="en-US" sz="1458" dirty="0"/>
               </a:p>
             </p:txBody>
           </p:sp>
@@ -4655,7 +4653,7 @@
               <a:lstStyle/>
               <a:p>
                 <a:pPr algn="ctr"/>
-                <a:endParaRPr lang="en-US" dirty="0"/>
+                <a:endParaRPr lang="en-US" sz="1458" dirty="0"/>
               </a:p>
             </p:txBody>
           </p:sp>
@@ -4709,7 +4707,7 @@
               <a:lstStyle/>
               <a:p>
                 <a:pPr algn="ctr"/>
-                <a:endParaRPr lang="en-US" dirty="0"/>
+                <a:endParaRPr lang="en-US" sz="1458" dirty="0"/>
               </a:p>
             </p:txBody>
           </p:sp>
@@ -4763,7 +4761,7 @@
               <a:lstStyle/>
               <a:p>
                 <a:pPr algn="ctr"/>
-                <a:endParaRPr lang="en-US" dirty="0"/>
+                <a:endParaRPr lang="en-US" sz="1458" dirty="0"/>
               </a:p>
             </p:txBody>
           </p:sp>
@@ -4817,7 +4815,7 @@
               <a:lstStyle/>
               <a:p>
                 <a:pPr algn="ctr"/>
-                <a:endParaRPr lang="en-US" dirty="0"/>
+                <a:endParaRPr lang="en-US" sz="1458" dirty="0"/>
               </a:p>
             </p:txBody>
           </p:sp>
@@ -4836,7 +4834,798 @@
             <p:spPr>
               <a:xfrm>
                 <a:off x="5365724" y="4085151"/>
-                <a:ext cx="270997" cy="369332"/>
+                <a:ext cx="270997" cy="351878"/>
+              </a:xfrm>
+              <a:prstGeom prst="rect">
+                <a:avLst/>
+              </a:prstGeom>
+              <a:noFill/>
+            </p:spPr>
+            <p:txBody>
+              <a:bodyPr wrap="square" rtlCol="0">
+                <a:spAutoFit/>
+              </a:bodyPr>
+              <a:lstStyle/>
+              <a:p>
+                <a:r>
+                  <a:rPr lang="en-US" sz="1458" dirty="0">
+                    <a:latin typeface="Helvetica Neue" panose="02000503000000020004" pitchFamily="2" charset="0"/>
+                    <a:ea typeface="Helvetica Neue" panose="02000503000000020004" pitchFamily="2" charset="0"/>
+                    <a:cs typeface="Helvetica Neue" panose="02000503000000020004" pitchFamily="2" charset="0"/>
+                  </a:rPr>
+                  <a:t>1</a:t>
+                </a:r>
+              </a:p>
+            </p:txBody>
+          </p:sp>
+          <p:sp>
+            <p:nvSpPr>
+              <p:cNvPr id="18" name="TextBox 17">
+                <a:extLst>
+                  <a:ext uri="{FF2B5EF4-FFF2-40B4-BE49-F238E27FC236}">
+                    <a16:creationId xmlns:a16="http://schemas.microsoft.com/office/drawing/2014/main" id="{3E0A1356-F6AC-4FA6-4A86-83B5EABF7D16}"/>
+                  </a:ext>
+                </a:extLst>
+              </p:cNvPr>
+              <p:cNvSpPr txBox="1"/>
+              <p:nvPr/>
+            </p:nvSpPr>
+            <p:spPr>
+              <a:xfrm>
+                <a:off x="5360897" y="3429000"/>
+                <a:ext cx="270997" cy="351878"/>
+              </a:xfrm>
+              <a:prstGeom prst="rect">
+                <a:avLst/>
+              </a:prstGeom>
+              <a:noFill/>
+            </p:spPr>
+            <p:txBody>
+              <a:bodyPr wrap="square" rtlCol="0">
+                <a:spAutoFit/>
+              </a:bodyPr>
+              <a:lstStyle/>
+              <a:p>
+                <a:r>
+                  <a:rPr lang="en-US" sz="1458" dirty="0">
+                    <a:latin typeface="Helvetica Neue" panose="02000503000000020004" pitchFamily="2" charset="0"/>
+                    <a:ea typeface="Helvetica Neue" panose="02000503000000020004" pitchFamily="2" charset="0"/>
+                    <a:cs typeface="Helvetica Neue" panose="02000503000000020004" pitchFamily="2" charset="0"/>
+                  </a:rPr>
+                  <a:t>2</a:t>
+                </a:r>
+              </a:p>
+            </p:txBody>
+          </p:sp>
+          <p:sp>
+            <p:nvSpPr>
+              <p:cNvPr id="19" name="TextBox 18">
+                <a:extLst>
+                  <a:ext uri="{FF2B5EF4-FFF2-40B4-BE49-F238E27FC236}">
+                    <a16:creationId xmlns:a16="http://schemas.microsoft.com/office/drawing/2014/main" id="{1403B683-C227-513D-F256-52FACAE2AFA7}"/>
+                  </a:ext>
+                </a:extLst>
+              </p:cNvPr>
+              <p:cNvSpPr txBox="1"/>
+              <p:nvPr/>
+            </p:nvSpPr>
+            <p:spPr>
+              <a:xfrm>
+                <a:off x="5955936" y="3076335"/>
+                <a:ext cx="270997" cy="351878"/>
+              </a:xfrm>
+              <a:prstGeom prst="rect">
+                <a:avLst/>
+              </a:prstGeom>
+              <a:noFill/>
+            </p:spPr>
+            <p:txBody>
+              <a:bodyPr wrap="square" rtlCol="0">
+                <a:spAutoFit/>
+              </a:bodyPr>
+              <a:lstStyle/>
+              <a:p>
+                <a:r>
+                  <a:rPr lang="en-US" sz="1458" dirty="0">
+                    <a:latin typeface="Helvetica Neue" panose="02000503000000020004" pitchFamily="2" charset="0"/>
+                    <a:ea typeface="Helvetica Neue" panose="02000503000000020004" pitchFamily="2" charset="0"/>
+                    <a:cs typeface="Helvetica Neue" panose="02000503000000020004" pitchFamily="2" charset="0"/>
+                  </a:rPr>
+                  <a:t>3</a:t>
+                </a:r>
+              </a:p>
+            </p:txBody>
+          </p:sp>
+          <p:sp>
+            <p:nvSpPr>
+              <p:cNvPr id="20" name="TextBox 19">
+                <a:extLst>
+                  <a:ext uri="{FF2B5EF4-FFF2-40B4-BE49-F238E27FC236}">
+                    <a16:creationId xmlns:a16="http://schemas.microsoft.com/office/drawing/2014/main" id="{E95C43EC-9663-A4E3-BB6A-78B86F07A2C8}"/>
+                  </a:ext>
+                </a:extLst>
+              </p:cNvPr>
+              <p:cNvSpPr txBox="1"/>
+              <p:nvPr/>
+            </p:nvSpPr>
+            <p:spPr>
+              <a:xfrm>
+                <a:off x="6537623" y="3419458"/>
+                <a:ext cx="270997" cy="351878"/>
+              </a:xfrm>
+              <a:prstGeom prst="rect">
+                <a:avLst/>
+              </a:prstGeom>
+              <a:noFill/>
+            </p:spPr>
+            <p:txBody>
+              <a:bodyPr wrap="square" rtlCol="0">
+                <a:spAutoFit/>
+              </a:bodyPr>
+              <a:lstStyle/>
+              <a:p>
+                <a:r>
+                  <a:rPr lang="en-US" sz="1458" dirty="0">
+                    <a:latin typeface="Helvetica Neue" panose="02000503000000020004" pitchFamily="2" charset="0"/>
+                    <a:ea typeface="Helvetica Neue" panose="02000503000000020004" pitchFamily="2" charset="0"/>
+                    <a:cs typeface="Helvetica Neue" panose="02000503000000020004" pitchFamily="2" charset="0"/>
+                  </a:rPr>
+                  <a:t>4</a:t>
+                </a:r>
+              </a:p>
+            </p:txBody>
+          </p:sp>
+          <p:sp>
+            <p:nvSpPr>
+              <p:cNvPr id="21" name="TextBox 20">
+                <a:extLst>
+                  <a:ext uri="{FF2B5EF4-FFF2-40B4-BE49-F238E27FC236}">
+                    <a16:creationId xmlns:a16="http://schemas.microsoft.com/office/drawing/2014/main" id="{20163D7D-B6B7-B7A4-6259-0980A83DA52E}"/>
+                  </a:ext>
+                </a:extLst>
+              </p:cNvPr>
+              <p:cNvSpPr txBox="1"/>
+              <p:nvPr/>
+            </p:nvSpPr>
+            <p:spPr>
+              <a:xfrm>
+                <a:off x="6549980" y="4085151"/>
+                <a:ext cx="270997" cy="351878"/>
+              </a:xfrm>
+              <a:prstGeom prst="rect">
+                <a:avLst/>
+              </a:prstGeom>
+              <a:noFill/>
+            </p:spPr>
+            <p:txBody>
+              <a:bodyPr wrap="square" rtlCol="0">
+                <a:spAutoFit/>
+              </a:bodyPr>
+              <a:lstStyle/>
+              <a:p>
+                <a:r>
+                  <a:rPr lang="en-US" sz="1458" dirty="0">
+                    <a:latin typeface="Helvetica Neue" panose="02000503000000020004" pitchFamily="2" charset="0"/>
+                    <a:ea typeface="Helvetica Neue" panose="02000503000000020004" pitchFamily="2" charset="0"/>
+                    <a:cs typeface="Helvetica Neue" panose="02000503000000020004" pitchFamily="2" charset="0"/>
+                  </a:rPr>
+                  <a:t>5</a:t>
+                </a:r>
+              </a:p>
+            </p:txBody>
+          </p:sp>
+          <p:sp>
+            <p:nvSpPr>
+              <p:cNvPr id="22" name="TextBox 21">
+                <a:extLst>
+                  <a:ext uri="{FF2B5EF4-FFF2-40B4-BE49-F238E27FC236}">
+                    <a16:creationId xmlns:a16="http://schemas.microsoft.com/office/drawing/2014/main" id="{F8D760C2-8CF6-A48A-F0CB-C81937F30346}"/>
+                  </a:ext>
+                </a:extLst>
+              </p:cNvPr>
+              <p:cNvSpPr txBox="1"/>
+              <p:nvPr/>
+            </p:nvSpPr>
+            <p:spPr>
+              <a:xfrm>
+                <a:off x="5944620" y="4407003"/>
+                <a:ext cx="270997" cy="351878"/>
+              </a:xfrm>
+              <a:prstGeom prst="rect">
+                <a:avLst/>
+              </a:prstGeom>
+              <a:noFill/>
+            </p:spPr>
+            <p:txBody>
+              <a:bodyPr wrap="square" rtlCol="0">
+                <a:spAutoFit/>
+              </a:bodyPr>
+              <a:lstStyle/>
+              <a:p>
+                <a:r>
+                  <a:rPr lang="en-US" sz="1458" dirty="0">
+                    <a:latin typeface="Helvetica Neue" panose="02000503000000020004" pitchFamily="2" charset="0"/>
+                    <a:ea typeface="Helvetica Neue" panose="02000503000000020004" pitchFamily="2" charset="0"/>
+                    <a:cs typeface="Helvetica Neue" panose="02000503000000020004" pitchFamily="2" charset="0"/>
+                  </a:rPr>
+                  <a:t>6</a:t>
+                </a:r>
+              </a:p>
+            </p:txBody>
+          </p:sp>
+          <p:sp>
+            <p:nvSpPr>
+              <p:cNvPr id="23" name="TextBox 22">
+                <a:extLst>
+                  <a:ext uri="{FF2B5EF4-FFF2-40B4-BE49-F238E27FC236}">
+                    <a16:creationId xmlns:a16="http://schemas.microsoft.com/office/drawing/2014/main" id="{96B1FCA7-A3C7-8FEF-0BCF-7FCB0A4F5F63}"/>
+                  </a:ext>
+                </a:extLst>
+              </p:cNvPr>
+              <p:cNvSpPr txBox="1"/>
+              <p:nvPr/>
+            </p:nvSpPr>
+            <p:spPr>
+              <a:xfrm>
+                <a:off x="5955936" y="3751528"/>
+                <a:ext cx="270997" cy="351878"/>
+              </a:xfrm>
+              <a:prstGeom prst="rect">
+                <a:avLst/>
+              </a:prstGeom>
+              <a:noFill/>
+            </p:spPr>
+            <p:txBody>
+              <a:bodyPr wrap="square" rtlCol="0">
+                <a:spAutoFit/>
+              </a:bodyPr>
+              <a:lstStyle/>
+              <a:p>
+                <a:r>
+                  <a:rPr lang="en-US" sz="1458" dirty="0">
+                    <a:latin typeface="Helvetica Neue" panose="02000503000000020004" pitchFamily="2" charset="0"/>
+                    <a:ea typeface="Helvetica Neue" panose="02000503000000020004" pitchFamily="2" charset="0"/>
+                    <a:cs typeface="Helvetica Neue" panose="02000503000000020004" pitchFamily="2" charset="0"/>
+                  </a:rPr>
+                  <a:t>7</a:t>
+                </a:r>
+              </a:p>
+            </p:txBody>
+          </p:sp>
+          <p:sp>
+            <p:nvSpPr>
+              <p:cNvPr id="41" name="TextBox 40">
+                <a:extLst>
+                  <a:ext uri="{FF2B5EF4-FFF2-40B4-BE49-F238E27FC236}">
+                    <a16:creationId xmlns:a16="http://schemas.microsoft.com/office/drawing/2014/main" id="{807D31C2-1E9C-4F94-1F13-AE79D05D9016}"/>
+                  </a:ext>
+                </a:extLst>
+              </p:cNvPr>
+              <p:cNvSpPr txBox="1"/>
+              <p:nvPr/>
+            </p:nvSpPr>
+            <p:spPr>
+              <a:xfrm>
+                <a:off x="4762610" y="5875302"/>
+                <a:ext cx="2415405" cy="351878"/>
+              </a:xfrm>
+              <a:prstGeom prst="rect">
+                <a:avLst/>
+              </a:prstGeom>
+              <a:noFill/>
+            </p:spPr>
+            <p:txBody>
+              <a:bodyPr wrap="none" rtlCol="0">
+                <a:spAutoFit/>
+              </a:bodyPr>
+              <a:lstStyle/>
+              <a:p>
+                <a:r>
+                  <a:rPr lang="en-US" sz="1458" dirty="0">
+                    <a:latin typeface="Helvetica Neue" panose="02000503000000020004" pitchFamily="2" charset="0"/>
+                    <a:ea typeface="Helvetica Neue" panose="02000503000000020004" pitchFamily="2" charset="0"/>
+                    <a:cs typeface="Helvetica Neue" panose="02000503000000020004" pitchFamily="2" charset="0"/>
+                  </a:rPr>
+                  <a:t>(b) Hexabenzocoronene</a:t>
+                </a:r>
+              </a:p>
+            </p:txBody>
+          </p:sp>
+        </p:grpSp>
+      </p:grpSp>
+    </p:spTree>
+    <p:extLst>
+      <p:ext uri="{BB962C8B-B14F-4D97-AF65-F5344CB8AC3E}">
+        <p14:creationId xmlns:p14="http://schemas.microsoft.com/office/powerpoint/2010/main" val="3625890945"/>
+      </p:ext>
+    </p:extLst>
+  </p:cSld>
+  <p:clrMapOvr>
+    <a:masterClrMapping/>
+  </p:clrMapOvr>
+</p:sld>
+</file>
+
+<file path=ppt/slides/slide2.xml><?xml version="1.0" encoding="utf-8"?>
+<p:sld xmlns:a="http://schemas.openxmlformats.org/drawingml/2006/main" xmlns:r="http://schemas.openxmlformats.org/officeDocument/2006/relationships" xmlns:p="http://schemas.openxmlformats.org/presentationml/2006/main">
+  <p:cSld>
+    <p:spTree>
+      <p:nvGrpSpPr>
+        <p:cNvPr id="1" name=""/>
+        <p:cNvGrpSpPr/>
+        <p:nvPr/>
+      </p:nvGrpSpPr>
+      <p:grpSpPr>
+        <a:xfrm>
+          <a:off x="0" y="0"/>
+          <a:ext cx="0" cy="0"/>
+          <a:chOff x="0" y="0"/>
+          <a:chExt cx="0" cy="0"/>
+        </a:xfrm>
+      </p:grpSpPr>
+      <p:grpSp>
+        <p:nvGrpSpPr>
+          <p:cNvPr id="4" name="Group 3">
+            <a:extLst>
+              <a:ext uri="{FF2B5EF4-FFF2-40B4-BE49-F238E27FC236}">
+                <a16:creationId xmlns:a16="http://schemas.microsoft.com/office/drawing/2014/main" id="{2339A86D-5632-2512-63D1-B58712621679}"/>
+              </a:ext>
+            </a:extLst>
+          </p:cNvPr>
+          <p:cNvGrpSpPr/>
+          <p:nvPr/>
+        </p:nvGrpSpPr>
+        <p:grpSpPr>
+          <a:xfrm>
+            <a:off x="405151" y="158261"/>
+            <a:ext cx="3469093" cy="3703322"/>
+            <a:chOff x="5099127" y="1661364"/>
+            <a:chExt cx="2034595" cy="2248299"/>
+          </a:xfrm>
+        </p:grpSpPr>
+        <p:pic>
+          <p:nvPicPr>
+            <p:cNvPr id="5" name="Picture 4" descr="A structure of a molecule&#10;&#10;Description automatically generated">
+              <a:extLst>
+                <a:ext uri="{FF2B5EF4-FFF2-40B4-BE49-F238E27FC236}">
+                  <a16:creationId xmlns:a16="http://schemas.microsoft.com/office/drawing/2014/main" id="{41A66F29-8AE8-26E6-A604-8A918C88F2A7}"/>
+                </a:ext>
+              </a:extLst>
+            </p:cNvPr>
+            <p:cNvPicPr>
+              <a:picLocks noChangeAspect="1"/>
+            </p:cNvPicPr>
+            <p:nvPr/>
+          </p:nvPicPr>
+          <p:blipFill rotWithShape="1">
+            <a:blip r:embed="rId2"/>
+            <a:srcRect l="20847" t="3912" r="19652" b="4539"/>
+            <a:stretch/>
+          </p:blipFill>
+          <p:spPr>
+            <a:xfrm>
+              <a:off x="5099127" y="1661364"/>
+              <a:ext cx="2034595" cy="2248299"/>
+            </a:xfrm>
+            <a:prstGeom prst="rect">
+              <a:avLst/>
+            </a:prstGeom>
+          </p:spPr>
+        </p:pic>
+        <p:grpSp>
+          <p:nvGrpSpPr>
+            <p:cNvPr id="6" name="Group 5">
+              <a:extLst>
+                <a:ext uri="{FF2B5EF4-FFF2-40B4-BE49-F238E27FC236}">
+                  <a16:creationId xmlns:a16="http://schemas.microsoft.com/office/drawing/2014/main" id="{801FFDF7-D870-5AF6-39F0-A2FF7257A753}"/>
+                </a:ext>
+              </a:extLst>
+            </p:cNvPr>
+            <p:cNvGrpSpPr/>
+            <p:nvPr/>
+          </p:nvGrpSpPr>
+          <p:grpSpPr>
+            <a:xfrm>
+              <a:off x="5277187" y="1889402"/>
+              <a:ext cx="1637624" cy="1787868"/>
+              <a:chOff x="5277187" y="3032401"/>
+              <a:chExt cx="1637624" cy="1787868"/>
+            </a:xfrm>
+          </p:grpSpPr>
+          <p:sp>
+            <p:nvSpPr>
+              <p:cNvPr id="7" name="Connector 6">
+                <a:extLst>
+                  <a:ext uri="{FF2B5EF4-FFF2-40B4-BE49-F238E27FC236}">
+                    <a16:creationId xmlns:a16="http://schemas.microsoft.com/office/drawing/2014/main" id="{5F8CB017-FB7C-A943-39D9-8C32A24EE152}"/>
+                  </a:ext>
+                </a:extLst>
+              </p:cNvPr>
+              <p:cNvSpPr/>
+              <p:nvPr/>
+            </p:nvSpPr>
+            <p:spPr>
+              <a:xfrm>
+                <a:off x="5277187" y="3375524"/>
+                <a:ext cx="457200" cy="457200"/>
+              </a:xfrm>
+              <a:prstGeom prst="flowChartConnector">
+                <a:avLst/>
+              </a:prstGeom>
+              <a:noFill/>
+              <a:effectLst>
+                <a:glow rad="88081">
+                  <a:schemeClr val="accent1">
+                    <a:alpha val="55000"/>
+                  </a:schemeClr>
+                </a:glow>
+              </a:effectLst>
+            </p:spPr>
+            <p:style>
+              <a:lnRef idx="2">
+                <a:schemeClr val="accent1">
+                  <a:shade val="15000"/>
+                </a:schemeClr>
+              </a:lnRef>
+              <a:fillRef idx="1">
+                <a:schemeClr val="accent1"/>
+              </a:fillRef>
+              <a:effectRef idx="0">
+                <a:schemeClr val="accent1"/>
+              </a:effectRef>
+              <a:fontRef idx="minor">
+                <a:schemeClr val="lt1"/>
+              </a:fontRef>
+            </p:style>
+            <p:txBody>
+              <a:bodyPr rtlCol="0" anchor="ctr"/>
+              <a:lstStyle/>
+              <a:p>
+                <a:pPr algn="ctr"/>
+                <a:endParaRPr lang="en-US" sz="1458" dirty="0"/>
+              </a:p>
+            </p:txBody>
+          </p:sp>
+          <p:sp>
+            <p:nvSpPr>
+              <p:cNvPr id="8" name="Connector 7">
+                <a:extLst>
+                  <a:ext uri="{FF2B5EF4-FFF2-40B4-BE49-F238E27FC236}">
+                    <a16:creationId xmlns:a16="http://schemas.microsoft.com/office/drawing/2014/main" id="{2C9CB912-A004-B564-80B1-212BCC396810}"/>
+                  </a:ext>
+                </a:extLst>
+              </p:cNvPr>
+              <p:cNvSpPr/>
+              <p:nvPr/>
+            </p:nvSpPr>
+            <p:spPr>
+              <a:xfrm>
+                <a:off x="5867399" y="3707594"/>
+                <a:ext cx="457200" cy="457200"/>
+              </a:xfrm>
+              <a:prstGeom prst="flowChartConnector">
+                <a:avLst/>
+              </a:prstGeom>
+              <a:noFill/>
+              <a:effectLst>
+                <a:glow rad="88081">
+                  <a:schemeClr val="accent1">
+                    <a:alpha val="55000"/>
+                  </a:schemeClr>
+                </a:glow>
+              </a:effectLst>
+            </p:spPr>
+            <p:style>
+              <a:lnRef idx="2">
+                <a:schemeClr val="accent1">
+                  <a:shade val="15000"/>
+                </a:schemeClr>
+              </a:lnRef>
+              <a:fillRef idx="1">
+                <a:schemeClr val="accent1"/>
+              </a:fillRef>
+              <a:effectRef idx="0">
+                <a:schemeClr val="accent1"/>
+              </a:effectRef>
+              <a:fontRef idx="minor">
+                <a:schemeClr val="lt1"/>
+              </a:fontRef>
+            </p:style>
+            <p:txBody>
+              <a:bodyPr rtlCol="0" anchor="ctr"/>
+              <a:lstStyle/>
+              <a:p>
+                <a:pPr algn="ctr"/>
+                <a:endParaRPr lang="en-US" sz="1458" dirty="0"/>
+              </a:p>
+            </p:txBody>
+          </p:sp>
+          <p:sp>
+            <p:nvSpPr>
+              <p:cNvPr id="9" name="Connector 8">
+                <a:extLst>
+                  <a:ext uri="{FF2B5EF4-FFF2-40B4-BE49-F238E27FC236}">
+                    <a16:creationId xmlns:a16="http://schemas.microsoft.com/office/drawing/2014/main" id="{902E2514-4706-54A7-452A-D7D4D4F63E82}"/>
+                  </a:ext>
+                </a:extLst>
+              </p:cNvPr>
+              <p:cNvSpPr/>
+              <p:nvPr/>
+            </p:nvSpPr>
+            <p:spPr>
+              <a:xfrm>
+                <a:off x="5867399" y="3032401"/>
+                <a:ext cx="457200" cy="457200"/>
+              </a:xfrm>
+              <a:prstGeom prst="flowChartConnector">
+                <a:avLst/>
+              </a:prstGeom>
+              <a:noFill/>
+              <a:effectLst>
+                <a:glow rad="88081">
+                  <a:schemeClr val="accent1">
+                    <a:alpha val="55000"/>
+                  </a:schemeClr>
+                </a:glow>
+              </a:effectLst>
+            </p:spPr>
+            <p:style>
+              <a:lnRef idx="2">
+                <a:schemeClr val="accent1">
+                  <a:shade val="15000"/>
+                </a:schemeClr>
+              </a:lnRef>
+              <a:fillRef idx="1">
+                <a:schemeClr val="accent1"/>
+              </a:fillRef>
+              <a:effectRef idx="0">
+                <a:schemeClr val="accent1"/>
+              </a:effectRef>
+              <a:fontRef idx="minor">
+                <a:schemeClr val="lt1"/>
+              </a:fontRef>
+            </p:style>
+            <p:txBody>
+              <a:bodyPr rtlCol="0" anchor="ctr"/>
+              <a:lstStyle/>
+              <a:p>
+                <a:pPr algn="ctr"/>
+                <a:endParaRPr lang="en-US" sz="1458" dirty="0"/>
+              </a:p>
+            </p:txBody>
+          </p:sp>
+          <p:sp>
+            <p:nvSpPr>
+              <p:cNvPr id="10" name="Connector 9">
+                <a:extLst>
+                  <a:ext uri="{FF2B5EF4-FFF2-40B4-BE49-F238E27FC236}">
+                    <a16:creationId xmlns:a16="http://schemas.microsoft.com/office/drawing/2014/main" id="{BC03912A-9D27-6BCA-A01A-5B422D3E3CBE}"/>
+                  </a:ext>
+                </a:extLst>
+              </p:cNvPr>
+              <p:cNvSpPr/>
+              <p:nvPr/>
+            </p:nvSpPr>
+            <p:spPr>
+              <a:xfrm>
+                <a:off x="6457611" y="3375524"/>
+                <a:ext cx="457200" cy="457200"/>
+              </a:xfrm>
+              <a:prstGeom prst="flowChartConnector">
+                <a:avLst/>
+              </a:prstGeom>
+              <a:noFill/>
+              <a:effectLst>
+                <a:glow rad="88081">
+                  <a:schemeClr val="accent1">
+                    <a:alpha val="55000"/>
+                  </a:schemeClr>
+                </a:glow>
+              </a:effectLst>
+            </p:spPr>
+            <p:style>
+              <a:lnRef idx="2">
+                <a:schemeClr val="accent1">
+                  <a:shade val="15000"/>
+                </a:schemeClr>
+              </a:lnRef>
+              <a:fillRef idx="1">
+                <a:schemeClr val="accent1"/>
+              </a:fillRef>
+              <a:effectRef idx="0">
+                <a:schemeClr val="accent1"/>
+              </a:effectRef>
+              <a:fontRef idx="minor">
+                <a:schemeClr val="lt1"/>
+              </a:fontRef>
+            </p:style>
+            <p:txBody>
+              <a:bodyPr rtlCol="0" anchor="ctr"/>
+              <a:lstStyle/>
+              <a:p>
+                <a:pPr algn="ctr"/>
+                <a:endParaRPr lang="en-US" sz="1458" dirty="0"/>
+              </a:p>
+            </p:txBody>
+          </p:sp>
+          <p:sp>
+            <p:nvSpPr>
+              <p:cNvPr id="11" name="Connector 10">
+                <a:extLst>
+                  <a:ext uri="{FF2B5EF4-FFF2-40B4-BE49-F238E27FC236}">
+                    <a16:creationId xmlns:a16="http://schemas.microsoft.com/office/drawing/2014/main" id="{131EA929-17DB-A0A7-4281-DA8EDF6DD965}"/>
+                  </a:ext>
+                </a:extLst>
+              </p:cNvPr>
+              <p:cNvSpPr/>
+              <p:nvPr/>
+            </p:nvSpPr>
+            <p:spPr>
+              <a:xfrm>
+                <a:off x="5277187" y="4041217"/>
+                <a:ext cx="457200" cy="457200"/>
+              </a:xfrm>
+              <a:prstGeom prst="flowChartConnector">
+                <a:avLst/>
+              </a:prstGeom>
+              <a:noFill/>
+              <a:effectLst>
+                <a:glow rad="88081">
+                  <a:schemeClr val="accent1">
+                    <a:alpha val="55000"/>
+                  </a:schemeClr>
+                </a:glow>
+              </a:effectLst>
+            </p:spPr>
+            <p:style>
+              <a:lnRef idx="2">
+                <a:schemeClr val="accent1">
+                  <a:shade val="15000"/>
+                </a:schemeClr>
+              </a:lnRef>
+              <a:fillRef idx="1">
+                <a:schemeClr val="accent1"/>
+              </a:fillRef>
+              <a:effectRef idx="0">
+                <a:schemeClr val="accent1"/>
+              </a:effectRef>
+              <a:fontRef idx="minor">
+                <a:schemeClr val="lt1"/>
+              </a:fontRef>
+            </p:style>
+            <p:txBody>
+              <a:bodyPr rtlCol="0" anchor="ctr"/>
+              <a:lstStyle/>
+              <a:p>
+                <a:pPr algn="ctr"/>
+                <a:endParaRPr lang="en-US" sz="1458" dirty="0"/>
+              </a:p>
+            </p:txBody>
+          </p:sp>
+          <p:sp>
+            <p:nvSpPr>
+              <p:cNvPr id="12" name="Connector 11">
+                <a:extLst>
+                  <a:ext uri="{FF2B5EF4-FFF2-40B4-BE49-F238E27FC236}">
+                    <a16:creationId xmlns:a16="http://schemas.microsoft.com/office/drawing/2014/main" id="{3402AFCF-5117-5846-1923-AF2BBBA4C0FB}"/>
+                  </a:ext>
+                </a:extLst>
+              </p:cNvPr>
+              <p:cNvSpPr/>
+              <p:nvPr/>
+            </p:nvSpPr>
+            <p:spPr>
+              <a:xfrm>
+                <a:off x="5867399" y="4363069"/>
+                <a:ext cx="457200" cy="457200"/>
+              </a:xfrm>
+              <a:prstGeom prst="flowChartConnector">
+                <a:avLst/>
+              </a:prstGeom>
+              <a:noFill/>
+              <a:effectLst>
+                <a:glow rad="88081">
+                  <a:schemeClr val="accent1">
+                    <a:alpha val="55000"/>
+                  </a:schemeClr>
+                </a:glow>
+              </a:effectLst>
+            </p:spPr>
+            <p:style>
+              <a:lnRef idx="2">
+                <a:schemeClr val="accent1">
+                  <a:shade val="15000"/>
+                </a:schemeClr>
+              </a:lnRef>
+              <a:fillRef idx="1">
+                <a:schemeClr val="accent1"/>
+              </a:fillRef>
+              <a:effectRef idx="0">
+                <a:schemeClr val="accent1"/>
+              </a:effectRef>
+              <a:fontRef idx="minor">
+                <a:schemeClr val="lt1"/>
+              </a:fontRef>
+            </p:style>
+            <p:txBody>
+              <a:bodyPr rtlCol="0" anchor="ctr"/>
+              <a:lstStyle/>
+              <a:p>
+                <a:pPr algn="ctr"/>
+                <a:endParaRPr lang="en-US" sz="1458" dirty="0"/>
+              </a:p>
+            </p:txBody>
+          </p:sp>
+          <p:sp>
+            <p:nvSpPr>
+              <p:cNvPr id="13" name="Connector 12">
+                <a:extLst>
+                  <a:ext uri="{FF2B5EF4-FFF2-40B4-BE49-F238E27FC236}">
+                    <a16:creationId xmlns:a16="http://schemas.microsoft.com/office/drawing/2014/main" id="{1CDD9215-1F6E-4040-402D-5D0DCDCED49C}"/>
+                  </a:ext>
+                </a:extLst>
+              </p:cNvPr>
+              <p:cNvSpPr/>
+              <p:nvPr/>
+            </p:nvSpPr>
+            <p:spPr>
+              <a:xfrm>
+                <a:off x="6457611" y="4041217"/>
+                <a:ext cx="457200" cy="457200"/>
+              </a:xfrm>
+              <a:prstGeom prst="flowChartConnector">
+                <a:avLst/>
+              </a:prstGeom>
+              <a:noFill/>
+              <a:effectLst>
+                <a:glow rad="88081">
+                  <a:schemeClr val="accent1">
+                    <a:alpha val="55000"/>
+                  </a:schemeClr>
+                </a:glow>
+              </a:effectLst>
+            </p:spPr>
+            <p:style>
+              <a:lnRef idx="2">
+                <a:schemeClr val="accent1">
+                  <a:shade val="15000"/>
+                </a:schemeClr>
+              </a:lnRef>
+              <a:fillRef idx="1">
+                <a:schemeClr val="accent1"/>
+              </a:fillRef>
+              <a:effectRef idx="0">
+                <a:schemeClr val="accent1"/>
+              </a:effectRef>
+              <a:fontRef idx="minor">
+                <a:schemeClr val="lt1"/>
+              </a:fontRef>
+            </p:style>
+            <p:txBody>
+              <a:bodyPr rtlCol="0" anchor="ctr"/>
+              <a:lstStyle/>
+              <a:p>
+                <a:pPr algn="ctr"/>
+                <a:endParaRPr lang="en-US" sz="1458" dirty="0"/>
+              </a:p>
+            </p:txBody>
+          </p:sp>
+          <p:sp>
+            <p:nvSpPr>
+              <p:cNvPr id="14" name="TextBox 13">
+                <a:extLst>
+                  <a:ext uri="{FF2B5EF4-FFF2-40B4-BE49-F238E27FC236}">
+                    <a16:creationId xmlns:a16="http://schemas.microsoft.com/office/drawing/2014/main" id="{480F7A64-7EC0-30C4-090D-C6D454CCC663}"/>
+                  </a:ext>
+                </a:extLst>
+              </p:cNvPr>
+              <p:cNvSpPr txBox="1"/>
+              <p:nvPr/>
+            </p:nvSpPr>
+            <p:spPr>
+              <a:xfrm>
+                <a:off x="5414719" y="4164794"/>
+                <a:ext cx="270997" cy="138271"/>
               </a:xfrm>
               <a:prstGeom prst="rect">
                 <a:avLst/>
@@ -4862,10 +5651,10 @@
           </p:sp>
           <p:sp>
             <p:nvSpPr>
-              <p:cNvPr id="18" name="TextBox 17">
+              <p:cNvPr id="15" name="TextBox 14">
                 <a:extLst>
                   <a:ext uri="{FF2B5EF4-FFF2-40B4-BE49-F238E27FC236}">
-                    <a16:creationId xmlns:a16="http://schemas.microsoft.com/office/drawing/2014/main" id="{3E0A1356-F6AC-4FA6-4A86-83B5EABF7D16}"/>
+                    <a16:creationId xmlns:a16="http://schemas.microsoft.com/office/drawing/2014/main" id="{26C6DC3B-6C0B-3C39-93CE-4F4BF032EFBA}"/>
                   </a:ext>
                 </a:extLst>
               </p:cNvPr>
@@ -4874,8 +5663,8 @@
             </p:nvSpPr>
             <p:spPr>
               <a:xfrm>
-                <a:off x="5360897" y="3429000"/>
-                <a:ext cx="270997" cy="369332"/>
+                <a:off x="5420897" y="3489601"/>
+                <a:ext cx="270997" cy="138271"/>
               </a:xfrm>
               <a:prstGeom prst="rect">
                 <a:avLst/>
@@ -4901,10 +5690,10 @@
           </p:sp>
           <p:sp>
             <p:nvSpPr>
-              <p:cNvPr id="19" name="TextBox 18">
+              <p:cNvPr id="16" name="TextBox 15">
                 <a:extLst>
                   <a:ext uri="{FF2B5EF4-FFF2-40B4-BE49-F238E27FC236}">
-                    <a16:creationId xmlns:a16="http://schemas.microsoft.com/office/drawing/2014/main" id="{1403B683-C227-513D-F256-52FACAE2AFA7}"/>
+                    <a16:creationId xmlns:a16="http://schemas.microsoft.com/office/drawing/2014/main" id="{26C110AA-16AA-2DFC-35FE-FB547920B107}"/>
                   </a:ext>
                 </a:extLst>
               </p:cNvPr>
@@ -4913,8 +5702,8 @@
             </p:nvSpPr>
             <p:spPr>
               <a:xfrm>
-                <a:off x="5955936" y="3076335"/>
-                <a:ext cx="270997" cy="369332"/>
+                <a:off x="6001856" y="3149471"/>
+                <a:ext cx="270997" cy="138271"/>
               </a:xfrm>
               <a:prstGeom prst="rect">
                 <a:avLst/>
@@ -4940,10 +5729,10 @@
           </p:sp>
           <p:sp>
             <p:nvSpPr>
-              <p:cNvPr id="20" name="TextBox 19">
+              <p:cNvPr id="17" name="TextBox 16">
                 <a:extLst>
                   <a:ext uri="{FF2B5EF4-FFF2-40B4-BE49-F238E27FC236}">
-                    <a16:creationId xmlns:a16="http://schemas.microsoft.com/office/drawing/2014/main" id="{E95C43EC-9663-A4E3-BB6A-78B86F07A2C8}"/>
+                    <a16:creationId xmlns:a16="http://schemas.microsoft.com/office/drawing/2014/main" id="{E7615B85-22B3-A8D3-527E-85DC6FCDD377}"/>
                   </a:ext>
                 </a:extLst>
               </p:cNvPr>
@@ -4952,8 +5741,8 @@
             </p:nvSpPr>
             <p:spPr>
               <a:xfrm>
-                <a:off x="6537623" y="3419458"/>
-                <a:ext cx="270997" cy="369332"/>
+                <a:off x="6592068" y="3502271"/>
+                <a:ext cx="270997" cy="138271"/>
               </a:xfrm>
               <a:prstGeom prst="rect">
                 <a:avLst/>
@@ -4979,10 +5768,10 @@
           </p:sp>
           <p:sp>
             <p:nvSpPr>
-              <p:cNvPr id="21" name="TextBox 20">
+              <p:cNvPr id="18" name="TextBox 17">
                 <a:extLst>
                   <a:ext uri="{FF2B5EF4-FFF2-40B4-BE49-F238E27FC236}">
-                    <a16:creationId xmlns:a16="http://schemas.microsoft.com/office/drawing/2014/main" id="{20163D7D-B6B7-B7A4-6259-0980A83DA52E}"/>
+                    <a16:creationId xmlns:a16="http://schemas.microsoft.com/office/drawing/2014/main" id="{3AB4AAA8-D81F-11DD-2836-243F65950E39}"/>
                   </a:ext>
                 </a:extLst>
               </p:cNvPr>
@@ -4991,8 +5780,8 @@
             </p:nvSpPr>
             <p:spPr>
               <a:xfrm>
-                <a:off x="6549980" y="4085151"/>
-                <a:ext cx="270997" cy="369332"/>
+                <a:off x="6601894" y="4164794"/>
+                <a:ext cx="270997" cy="138271"/>
               </a:xfrm>
               <a:prstGeom prst="rect">
                 <a:avLst/>
@@ -5018,10 +5807,10 @@
           </p:sp>
           <p:sp>
             <p:nvSpPr>
-              <p:cNvPr id="22" name="TextBox 21">
+              <p:cNvPr id="19" name="TextBox 18">
                 <a:extLst>
                   <a:ext uri="{FF2B5EF4-FFF2-40B4-BE49-F238E27FC236}">
-                    <a16:creationId xmlns:a16="http://schemas.microsoft.com/office/drawing/2014/main" id="{F8D760C2-8CF6-A48A-F0CB-C81937F30346}"/>
+                    <a16:creationId xmlns:a16="http://schemas.microsoft.com/office/drawing/2014/main" id="{178E510A-F5A6-D1D2-1F80-877621B24B24}"/>
                   </a:ext>
                 </a:extLst>
               </p:cNvPr>
@@ -5030,8 +5819,8 @@
             </p:nvSpPr>
             <p:spPr>
               <a:xfrm>
-                <a:off x="5944620" y="4407003"/>
-                <a:ext cx="270997" cy="369332"/>
+                <a:off x="6013224" y="4498417"/>
+                <a:ext cx="270997" cy="138271"/>
               </a:xfrm>
               <a:prstGeom prst="rect">
                 <a:avLst/>
@@ -5057,10 +5846,10 @@
           </p:sp>
           <p:sp>
             <p:nvSpPr>
-              <p:cNvPr id="23" name="TextBox 22">
+              <p:cNvPr id="20" name="TextBox 19">
                 <a:extLst>
                   <a:ext uri="{FF2B5EF4-FFF2-40B4-BE49-F238E27FC236}">
-                    <a16:creationId xmlns:a16="http://schemas.microsoft.com/office/drawing/2014/main" id="{96B1FCA7-A3C7-8FEF-0BCF-7FCB0A4F5F63}"/>
+                    <a16:creationId xmlns:a16="http://schemas.microsoft.com/office/drawing/2014/main" id="{4A191FE2-F1D5-4E68-254F-2F0A5BD61858}"/>
                   </a:ext>
                 </a:extLst>
               </p:cNvPr>
@@ -5069,8 +5858,8 @@
             </p:nvSpPr>
             <p:spPr>
               <a:xfrm>
-                <a:off x="5955936" y="3751528"/>
-                <a:ext cx="270997" cy="369332"/>
+                <a:off x="6010277" y="3831038"/>
+                <a:ext cx="270997" cy="138271"/>
               </a:xfrm>
               <a:prstGeom prst="rect">
                 <a:avLst/>
@@ -5094,51 +5883,12 @@
               </a:p>
             </p:txBody>
           </p:sp>
-          <p:sp>
-            <p:nvSpPr>
-              <p:cNvPr id="41" name="TextBox 40">
-                <a:extLst>
-                  <a:ext uri="{FF2B5EF4-FFF2-40B4-BE49-F238E27FC236}">
-                    <a16:creationId xmlns:a16="http://schemas.microsoft.com/office/drawing/2014/main" id="{807D31C2-1E9C-4F94-1F13-AE79D05D9016}"/>
-                  </a:ext>
-                </a:extLst>
-              </p:cNvPr>
-              <p:cNvSpPr txBox="1"/>
-              <p:nvPr/>
-            </p:nvSpPr>
-            <p:spPr>
-              <a:xfrm>
-                <a:off x="4762610" y="5875302"/>
-                <a:ext cx="2634696" cy="369332"/>
-              </a:xfrm>
-              <a:prstGeom prst="rect">
-                <a:avLst/>
-              </a:prstGeom>
-              <a:noFill/>
-            </p:spPr>
-            <p:txBody>
-              <a:bodyPr wrap="none" rtlCol="0">
-                <a:spAutoFit/>
-              </a:bodyPr>
-              <a:lstStyle/>
-              <a:p>
-                <a:r>
-                  <a:rPr lang="en-US" dirty="0">
-                    <a:latin typeface="Helvetica Neue" panose="02000503000000020004" pitchFamily="2" charset="0"/>
-                    <a:ea typeface="Helvetica Neue" panose="02000503000000020004" pitchFamily="2" charset="0"/>
-                    <a:cs typeface="Helvetica Neue" panose="02000503000000020004" pitchFamily="2" charset="0"/>
-                  </a:rPr>
-                  <a:t>(b) Hexabenzocoronene</a:t>
-                </a:r>
-              </a:p>
-            </p:txBody>
-          </p:sp>
         </p:grpSp>
       </p:grpSp>
     </p:spTree>
     <p:extLst>
       <p:ext uri="{BB962C8B-B14F-4D97-AF65-F5344CB8AC3E}">
-        <p14:creationId xmlns:p14="http://schemas.microsoft.com/office/powerpoint/2010/main" val="3625890945"/>
+        <p14:creationId xmlns:p14="http://schemas.microsoft.com/office/powerpoint/2010/main" val="2066072882"/>
       </p:ext>
     </p:extLst>
   </p:cSld>
